--- a/BeijingMeeting/OralCancer-05132014.pptx
+++ b/BeijingMeeting/OralCancer-05132014.pptx
@@ -5,7 +5,7 @@
     <p:sldMasterId id="2147483648" r:id="rId1"/>
   </p:sldMasterIdLst>
   <p:notesMasterIdLst>
-    <p:notesMasterId r:id="rId43"/>
+    <p:notesMasterId r:id="rId44"/>
   </p:notesMasterIdLst>
   <p:sldIdLst>
     <p:sldId id="282" r:id="rId2"/>
@@ -44,11 +44,12 @@
     <p:sldId id="342" r:id="rId35"/>
     <p:sldId id="339" r:id="rId36"/>
     <p:sldId id="350" r:id="rId37"/>
-    <p:sldId id="341" r:id="rId38"/>
-    <p:sldId id="340" r:id="rId39"/>
-    <p:sldId id="351" r:id="rId40"/>
-    <p:sldId id="285" r:id="rId41"/>
-    <p:sldId id="286" r:id="rId42"/>
+    <p:sldId id="351" r:id="rId38"/>
+    <p:sldId id="285" r:id="rId39"/>
+    <p:sldId id="352" r:id="rId40"/>
+    <p:sldId id="286" r:id="rId41"/>
+    <p:sldId id="341" r:id="rId42"/>
+    <p:sldId id="340" r:id="rId43"/>
   </p:sldIdLst>
   <p:sldSz cx="9144000" cy="6858000" type="screen4x3"/>
   <p:notesSz cx="6858000" cy="9144000"/>
@@ -217,22 +218,22 @@
                 <c:formatCode>General</c:formatCode>
                 <c:ptCount val="6"/>
                 <c:pt idx="0">
-                  <c:v>1</c:v>
+                  <c:v>1.0</c:v>
                 </c:pt>
                 <c:pt idx="1">
-                  <c:v>0.98150000000000004</c:v>
+                  <c:v>0.9815</c:v>
                 </c:pt>
                 <c:pt idx="2">
-                  <c:v>1</c:v>
+                  <c:v>1.0</c:v>
                 </c:pt>
                 <c:pt idx="3">
-                  <c:v>1</c:v>
+                  <c:v>1.0</c:v>
                 </c:pt>
                 <c:pt idx="4">
-                  <c:v>1</c:v>
+                  <c:v>1.0</c:v>
                 </c:pt>
                 <c:pt idx="5">
-                  <c:v>0.96299999999999997</c:v>
+                  <c:v>0.963</c:v>
                 </c:pt>
               </c:numCache>
             </c:numRef>
@@ -286,22 +287,22 @@
                 <c:formatCode>General</c:formatCode>
                 <c:ptCount val="6"/>
                 <c:pt idx="0">
-                  <c:v>0.98150000000000004</c:v>
+                  <c:v>0.9815</c:v>
                 </c:pt>
                 <c:pt idx="1">
-                  <c:v>1</c:v>
+                  <c:v>1.0</c:v>
                 </c:pt>
                 <c:pt idx="2">
-                  <c:v>1</c:v>
+                  <c:v>1.0</c:v>
                 </c:pt>
                 <c:pt idx="3">
-                  <c:v>1</c:v>
+                  <c:v>1.0</c:v>
                 </c:pt>
                 <c:pt idx="4">
-                  <c:v>1</c:v>
+                  <c:v>1.0</c:v>
                 </c:pt>
                 <c:pt idx="5">
-                  <c:v>0.88890000000000002</c:v>
+                  <c:v>0.8889</c:v>
                 </c:pt>
               </c:numCache>
             </c:numRef>
@@ -355,22 +356,22 @@
                 <c:formatCode>General</c:formatCode>
                 <c:ptCount val="6"/>
                 <c:pt idx="0">
-                  <c:v>0.87039999999999995</c:v>
+                  <c:v>0.8704</c:v>
                 </c:pt>
                 <c:pt idx="1">
-                  <c:v>0.98150000000000004</c:v>
+                  <c:v>0.9815</c:v>
                 </c:pt>
                 <c:pt idx="2">
-                  <c:v>1</c:v>
+                  <c:v>1.0</c:v>
                 </c:pt>
                 <c:pt idx="3">
-                  <c:v>0.98150000000000004</c:v>
+                  <c:v>0.9815</c:v>
                 </c:pt>
                 <c:pt idx="4">
-                  <c:v>0.98150000000000004</c:v>
+                  <c:v>0.9815</c:v>
                 </c:pt>
                 <c:pt idx="5">
-                  <c:v>0.92589999999999995</c:v>
+                  <c:v>0.9259</c:v>
                 </c:pt>
               </c:numCache>
             </c:numRef>
@@ -424,22 +425,22 @@
                 <c:formatCode>General</c:formatCode>
                 <c:ptCount val="6"/>
                 <c:pt idx="0">
-                  <c:v>0.87039999999999995</c:v>
+                  <c:v>0.8704</c:v>
                 </c:pt>
                 <c:pt idx="1">
-                  <c:v>0.98150000000000004</c:v>
+                  <c:v>0.9815</c:v>
                 </c:pt>
                 <c:pt idx="2">
-                  <c:v>1</c:v>
+                  <c:v>1.0</c:v>
                 </c:pt>
                 <c:pt idx="3">
-                  <c:v>0.98150000000000004</c:v>
+                  <c:v>0.9815</c:v>
                 </c:pt>
                 <c:pt idx="4">
-                  <c:v>0.98150000000000004</c:v>
+                  <c:v>0.9815</c:v>
                 </c:pt>
                 <c:pt idx="5">
-                  <c:v>0.92589999999999995</c:v>
+                  <c:v>0.9259</c:v>
                 </c:pt>
               </c:numCache>
             </c:numRef>
@@ -456,11 +457,11 @@
         </c:dLbls>
         <c:marker val="1"/>
         <c:smooth val="0"/>
-        <c:axId val="52342144"/>
-        <c:axId val="52348032"/>
+        <c:axId val="-2056930904"/>
+        <c:axId val="-2071492392"/>
       </c:lineChart>
       <c:catAx>
-        <c:axId val="52342144"/>
+        <c:axId val="-2056930904"/>
         <c:scaling>
           <c:orientation val="minMax"/>
         </c:scaling>
@@ -469,7 +470,7 @@
         <c:majorTickMark val="out"/>
         <c:minorTickMark val="none"/>
         <c:tickLblPos val="nextTo"/>
-        <c:crossAx val="52348032"/>
+        <c:crossAx val="-2071492392"/>
         <c:crosses val="autoZero"/>
         <c:auto val="1"/>
         <c:lblAlgn val="ctr"/>
@@ -477,10 +478,10 @@
         <c:noMultiLvlLbl val="0"/>
       </c:catAx>
       <c:valAx>
-        <c:axId val="52348032"/>
+        <c:axId val="-2071492392"/>
         <c:scaling>
           <c:orientation val="minMax"/>
-          <c:max val="1"/>
+          <c:max val="1.0"/>
         </c:scaling>
         <c:delete val="0"/>
         <c:axPos val="l"/>
@@ -489,7 +490,7 @@
         <c:majorTickMark val="out"/>
         <c:minorTickMark val="none"/>
         <c:tickLblPos val="nextTo"/>
-        <c:crossAx val="52342144"/>
+        <c:crossAx val="-2056930904"/>
         <c:crosses val="autoZero"/>
         <c:crossBetween val="between"/>
       </c:valAx>
@@ -571,22 +572,22 @@
                 <c:formatCode>General</c:formatCode>
                 <c:ptCount val="6"/>
                 <c:pt idx="0">
-                  <c:v>0.92589999999999995</c:v>
+                  <c:v>0.9259</c:v>
                 </c:pt>
                 <c:pt idx="1">
-                  <c:v>0.88890000000000002</c:v>
+                  <c:v>0.8889</c:v>
                 </c:pt>
                 <c:pt idx="2">
-                  <c:v>0</c:v>
+                  <c:v>0.0</c:v>
                 </c:pt>
                 <c:pt idx="3">
-                  <c:v>0.92589999999999995</c:v>
+                  <c:v>0.9259</c:v>
                 </c:pt>
                 <c:pt idx="4">
-                  <c:v>0.92589999999999995</c:v>
+                  <c:v>0.9259</c:v>
                 </c:pt>
                 <c:pt idx="5">
-                  <c:v>0.85189999999999999</c:v>
+                  <c:v>0.8519</c:v>
                 </c:pt>
               </c:numCache>
             </c:numRef>
@@ -640,22 +641,22 @@
                 <c:formatCode>General</c:formatCode>
                 <c:ptCount val="6"/>
                 <c:pt idx="0">
-                  <c:v>0.92589999999999995</c:v>
+                  <c:v>0.9259</c:v>
                 </c:pt>
                 <c:pt idx="1">
-                  <c:v>0.92589999999999995</c:v>
+                  <c:v>0.9259</c:v>
                 </c:pt>
                 <c:pt idx="2">
-                  <c:v>0</c:v>
+                  <c:v>0.0</c:v>
                 </c:pt>
                 <c:pt idx="3">
-                  <c:v>0.92589999999999995</c:v>
+                  <c:v>0.9259</c:v>
                 </c:pt>
                 <c:pt idx="4">
-                  <c:v>0.92589999999999995</c:v>
+                  <c:v>0.9259</c:v>
                 </c:pt>
                 <c:pt idx="5">
-                  <c:v>0.92589999999999995</c:v>
+                  <c:v>0.9259</c:v>
                 </c:pt>
               </c:numCache>
             </c:numRef>
@@ -709,22 +710,22 @@
                 <c:formatCode>General</c:formatCode>
                 <c:ptCount val="6"/>
                 <c:pt idx="0">
-                  <c:v>1</c:v>
+                  <c:v>1.0</c:v>
                 </c:pt>
                 <c:pt idx="1">
-                  <c:v>0.96299999999999997</c:v>
+                  <c:v>0.963</c:v>
                 </c:pt>
                 <c:pt idx="2">
-                  <c:v>0</c:v>
+                  <c:v>0.0</c:v>
                 </c:pt>
                 <c:pt idx="3">
-                  <c:v>0.92589999999999995</c:v>
+                  <c:v>0.9259</c:v>
                 </c:pt>
                 <c:pt idx="4">
-                  <c:v>0.92589999999999995</c:v>
+                  <c:v>0.9259</c:v>
                 </c:pt>
                 <c:pt idx="5">
-                  <c:v>0.92589999999999995</c:v>
+                  <c:v>0.9259</c:v>
                 </c:pt>
               </c:numCache>
             </c:numRef>
@@ -778,22 +779,22 @@
                 <c:formatCode>General</c:formatCode>
                 <c:ptCount val="6"/>
                 <c:pt idx="0">
-                  <c:v>1</c:v>
+                  <c:v>1.0</c:v>
                 </c:pt>
                 <c:pt idx="1">
-                  <c:v>0.96299999999999997</c:v>
+                  <c:v>0.963</c:v>
                 </c:pt>
                 <c:pt idx="2">
-                  <c:v>0</c:v>
+                  <c:v>0.0</c:v>
                 </c:pt>
                 <c:pt idx="3">
-                  <c:v>0.92589999999999995</c:v>
+                  <c:v>0.9259</c:v>
                 </c:pt>
                 <c:pt idx="4">
-                  <c:v>0.92589999999999995</c:v>
+                  <c:v>0.9259</c:v>
                 </c:pt>
                 <c:pt idx="5">
-                  <c:v>0.92589999999999995</c:v>
+                  <c:v>0.9259</c:v>
                 </c:pt>
               </c:numCache>
             </c:numRef>
@@ -810,11 +811,11 @@
         </c:dLbls>
         <c:marker val="1"/>
         <c:smooth val="0"/>
-        <c:axId val="52370048"/>
-        <c:axId val="52380032"/>
+        <c:axId val="-2057034264"/>
+        <c:axId val="-2057031144"/>
       </c:lineChart>
       <c:catAx>
-        <c:axId val="52370048"/>
+        <c:axId val="-2057034264"/>
         <c:scaling>
           <c:orientation val="minMax"/>
         </c:scaling>
@@ -823,7 +824,7 @@
         <c:majorTickMark val="out"/>
         <c:minorTickMark val="none"/>
         <c:tickLblPos val="nextTo"/>
-        <c:crossAx val="52380032"/>
+        <c:crossAx val="-2057031144"/>
         <c:crosses val="autoZero"/>
         <c:auto val="1"/>
         <c:lblAlgn val="ctr"/>
@@ -831,10 +832,10 @@
         <c:noMultiLvlLbl val="0"/>
       </c:catAx>
       <c:valAx>
-        <c:axId val="52380032"/>
+        <c:axId val="-2057031144"/>
         <c:scaling>
           <c:orientation val="minMax"/>
-          <c:max val="1"/>
+          <c:max val="1.0"/>
         </c:scaling>
         <c:delete val="0"/>
         <c:axPos val="l"/>
@@ -843,7 +844,7 @@
         <c:majorTickMark val="out"/>
         <c:minorTickMark val="none"/>
         <c:tickLblPos val="nextTo"/>
-        <c:crossAx val="52370048"/>
+        <c:crossAx val="-2057034264"/>
         <c:crosses val="autoZero"/>
         <c:crossBetween val="between"/>
       </c:valAx>
@@ -925,19 +926,19 @@
                 <c:formatCode>General</c:formatCode>
                 <c:ptCount val="6"/>
                 <c:pt idx="0">
-                  <c:v>0.76670000000000005</c:v>
+                  <c:v>0.7667</c:v>
                 </c:pt>
                 <c:pt idx="1">
-                  <c:v>0.83330000000000004</c:v>
+                  <c:v>0.8333</c:v>
                 </c:pt>
                 <c:pt idx="2">
-                  <c:v>0.86670000000000003</c:v>
+                  <c:v>0.8667</c:v>
                 </c:pt>
                 <c:pt idx="3">
                   <c:v>0.5333</c:v>
                 </c:pt>
                 <c:pt idx="4">
-                  <c:v>0.76670000000000005</c:v>
+                  <c:v>0.7667</c:v>
                 </c:pt>
                 <c:pt idx="5">
                   <c:v>0.5333</c:v>
@@ -997,19 +998,19 @@
                   <c:v>0.8</c:v>
                 </c:pt>
                 <c:pt idx="1">
-                  <c:v>0.63329999999999997</c:v>
+                  <c:v>0.6333</c:v>
                 </c:pt>
                 <c:pt idx="2">
                   <c:v>0.9</c:v>
                 </c:pt>
                 <c:pt idx="3">
-                  <c:v>0.66669999999999996</c:v>
+                  <c:v>0.6667</c:v>
                 </c:pt>
                 <c:pt idx="4">
-                  <c:v>0.63329999999999997</c:v>
+                  <c:v>0.6333</c:v>
                 </c:pt>
                 <c:pt idx="5">
-                  <c:v>0.86670000000000003</c:v>
+                  <c:v>0.8667</c:v>
                 </c:pt>
               </c:numCache>
             </c:numRef>
@@ -1063,13 +1064,13 @@
                 <c:formatCode>General</c:formatCode>
                 <c:ptCount val="6"/>
                 <c:pt idx="0">
-                  <c:v>0.66669999999999996</c:v>
+                  <c:v>0.6667</c:v>
                 </c:pt>
                 <c:pt idx="1">
-                  <c:v>0.86670000000000003</c:v>
+                  <c:v>0.8667</c:v>
                 </c:pt>
                 <c:pt idx="2">
-                  <c:v>0.86670000000000003</c:v>
+                  <c:v>0.8667</c:v>
                 </c:pt>
                 <c:pt idx="3">
                   <c:v>0.6</c:v>
@@ -1132,13 +1133,13 @@
                 <c:formatCode>General</c:formatCode>
                 <c:ptCount val="6"/>
                 <c:pt idx="0">
-                  <c:v>0.66669999999999996</c:v>
+                  <c:v>0.6667</c:v>
                 </c:pt>
                 <c:pt idx="1">
-                  <c:v>0.86670000000000003</c:v>
+                  <c:v>0.8667</c:v>
                 </c:pt>
                 <c:pt idx="2">
-                  <c:v>0.86670000000000003</c:v>
+                  <c:v>0.8667</c:v>
                 </c:pt>
                 <c:pt idx="3">
                   <c:v>0.6</c:v>
@@ -1164,11 +1165,11 @@
         </c:dLbls>
         <c:marker val="1"/>
         <c:smooth val="0"/>
-        <c:axId val="52403584"/>
-        <c:axId val="52413568"/>
+        <c:axId val="-2057102312"/>
+        <c:axId val="-2057042760"/>
       </c:lineChart>
       <c:catAx>
-        <c:axId val="52403584"/>
+        <c:axId val="-2057102312"/>
         <c:scaling>
           <c:orientation val="minMax"/>
         </c:scaling>
@@ -1177,7 +1178,7 @@
         <c:majorTickMark val="out"/>
         <c:minorTickMark val="none"/>
         <c:tickLblPos val="nextTo"/>
-        <c:crossAx val="52413568"/>
+        <c:crossAx val="-2057042760"/>
         <c:crosses val="autoZero"/>
         <c:auto val="1"/>
         <c:lblAlgn val="ctr"/>
@@ -1185,7 +1186,7 @@
         <c:noMultiLvlLbl val="0"/>
       </c:catAx>
       <c:valAx>
-        <c:axId val="52413568"/>
+        <c:axId val="-2057042760"/>
         <c:scaling>
           <c:orientation val="minMax"/>
         </c:scaling>
@@ -1196,7 +1197,7 @@
         <c:majorTickMark val="out"/>
         <c:minorTickMark val="none"/>
         <c:tickLblPos val="nextTo"/>
-        <c:crossAx val="52403584"/>
+        <c:crossAx val="-2057102312"/>
         <c:crosses val="autoZero"/>
         <c:crossBetween val="between"/>
       </c:valAx>
@@ -1278,19 +1279,19 @@
                 <c:formatCode>General</c:formatCode>
                 <c:ptCount val="6"/>
                 <c:pt idx="0">
-                  <c:v>0.74509999999999998</c:v>
+                  <c:v>0.7451</c:v>
                 </c:pt>
                 <c:pt idx="1">
-                  <c:v>0.62749999999999995</c:v>
+                  <c:v>0.6275</c:v>
                 </c:pt>
                 <c:pt idx="2">
-                  <c:v>0.47060000000000002</c:v>
+                  <c:v>0.4706</c:v>
                 </c:pt>
                 <c:pt idx="3">
                   <c:v>0.7843</c:v>
                 </c:pt>
                 <c:pt idx="4">
-                  <c:v>0.76470000000000005</c:v>
+                  <c:v>0.7647</c:v>
                 </c:pt>
                 <c:pt idx="5">
                   <c:v>0.7843</c:v>
@@ -1347,22 +1348,22 @@
                 <c:formatCode>General</c:formatCode>
                 <c:ptCount val="6"/>
                 <c:pt idx="0">
-                  <c:v>0.70589999999999997</c:v>
+                  <c:v>0.7059</c:v>
                 </c:pt>
                 <c:pt idx="1">
-                  <c:v>0.72550000000000003</c:v>
+                  <c:v>0.7255</c:v>
                 </c:pt>
                 <c:pt idx="2">
-                  <c:v>0.54900000000000004</c:v>
+                  <c:v>0.549</c:v>
                 </c:pt>
                 <c:pt idx="3">
-                  <c:v>0.74670000000000003</c:v>
+                  <c:v>0.7467</c:v>
                 </c:pt>
                 <c:pt idx="4">
-                  <c:v>0.76470000000000005</c:v>
+                  <c:v>0.7647</c:v>
                 </c:pt>
                 <c:pt idx="5">
-                  <c:v>0.62749999999999995</c:v>
+                  <c:v>0.6275</c:v>
                 </c:pt>
               </c:numCache>
             </c:numRef>
@@ -1419,19 +1420,19 @@
                   <c:v>0.7843</c:v>
                 </c:pt>
                 <c:pt idx="1">
-                  <c:v>0.74509999999999998</c:v>
+                  <c:v>0.7451</c:v>
                 </c:pt>
                 <c:pt idx="2">
-                  <c:v>0.45100000000000001</c:v>
+                  <c:v>0.451</c:v>
                 </c:pt>
                 <c:pt idx="3">
-                  <c:v>0.70589999999999997</c:v>
+                  <c:v>0.7059</c:v>
                 </c:pt>
                 <c:pt idx="4">
-                  <c:v>0.74509999999999998</c:v>
+                  <c:v>0.7451</c:v>
                 </c:pt>
                 <c:pt idx="5">
-                  <c:v>0.70589999999999997</c:v>
+                  <c:v>0.7059</c:v>
                 </c:pt>
               </c:numCache>
             </c:numRef>
@@ -1488,19 +1489,19 @@
                   <c:v>0.7843</c:v>
                 </c:pt>
                 <c:pt idx="1">
-                  <c:v>0.74509999999999998</c:v>
+                  <c:v>0.7451</c:v>
                 </c:pt>
                 <c:pt idx="2">
-                  <c:v>0.45100000000000001</c:v>
+                  <c:v>0.451</c:v>
                 </c:pt>
                 <c:pt idx="3">
-                  <c:v>0.70589999999999997</c:v>
+                  <c:v>0.7059</c:v>
                 </c:pt>
                 <c:pt idx="4">
-                  <c:v>0.74509999999999998</c:v>
+                  <c:v>0.7451</c:v>
                 </c:pt>
                 <c:pt idx="5">
-                  <c:v>0.70589999999999997</c:v>
+                  <c:v>0.7059</c:v>
                 </c:pt>
               </c:numCache>
             </c:numRef>
@@ -1517,11 +1518,11 @@
         </c:dLbls>
         <c:marker val="1"/>
         <c:smooth val="0"/>
-        <c:axId val="51325568"/>
-        <c:axId val="51327360"/>
+        <c:axId val="-2057087224"/>
+        <c:axId val="-2057084104"/>
       </c:lineChart>
       <c:catAx>
-        <c:axId val="51325568"/>
+        <c:axId val="-2057087224"/>
         <c:scaling>
           <c:orientation val="minMax"/>
         </c:scaling>
@@ -1530,7 +1531,7 @@
         <c:majorTickMark val="out"/>
         <c:minorTickMark val="none"/>
         <c:tickLblPos val="nextTo"/>
-        <c:crossAx val="51327360"/>
+        <c:crossAx val="-2057084104"/>
         <c:crosses val="autoZero"/>
         <c:auto val="1"/>
         <c:lblAlgn val="ctr"/>
@@ -1538,10 +1539,10 @@
         <c:noMultiLvlLbl val="0"/>
       </c:catAx>
       <c:valAx>
-        <c:axId val="51327360"/>
+        <c:axId val="-2057084104"/>
         <c:scaling>
           <c:orientation val="minMax"/>
-          <c:max val="1"/>
+          <c:max val="1.0"/>
         </c:scaling>
         <c:delete val="0"/>
         <c:axPos val="l"/>
@@ -1550,7 +1551,7 @@
         <c:majorTickMark val="out"/>
         <c:minorTickMark val="none"/>
         <c:tickLblPos val="nextTo"/>
-        <c:crossAx val="51325568"/>
+        <c:crossAx val="-2057087224"/>
         <c:crosses val="autoZero"/>
         <c:crossBetween val="between"/>
       </c:valAx>
@@ -1632,16 +1633,16 @@
                 <c:formatCode>General</c:formatCode>
                 <c:ptCount val="6"/>
                 <c:pt idx="0">
-                  <c:v>0.45829999999999999</c:v>
+                  <c:v>0.4583</c:v>
                 </c:pt>
                 <c:pt idx="1">
-                  <c:v>0.29170000000000001</c:v>
+                  <c:v>0.2917</c:v>
                 </c:pt>
                 <c:pt idx="2">
-                  <c:v>0.41670000000000001</c:v>
+                  <c:v>0.4167</c:v>
                 </c:pt>
                 <c:pt idx="3">
-                  <c:v>0.54169999999999996</c:v>
+                  <c:v>0.5417</c:v>
                 </c:pt>
                 <c:pt idx="4">
                   <c:v>0.5</c:v>
@@ -1701,10 +1702,10 @@
                 <c:formatCode>General</c:formatCode>
                 <c:ptCount val="6"/>
                 <c:pt idx="0">
-                  <c:v>0.41670000000000001</c:v>
+                  <c:v>0.4167</c:v>
                 </c:pt>
                 <c:pt idx="1">
-                  <c:v>0.41670000000000001</c:v>
+                  <c:v>0.4167</c:v>
                 </c:pt>
                 <c:pt idx="2">
                   <c:v>0.375</c:v>
@@ -1770,7 +1771,7 @@
                 <c:formatCode>General</c:formatCode>
                 <c:ptCount val="6"/>
                 <c:pt idx="0">
-                  <c:v>0.41670000000000001</c:v>
+                  <c:v>0.4167</c:v>
                 </c:pt>
                 <c:pt idx="1">
                   <c:v>0.5</c:v>
@@ -1782,7 +1783,7 @@
                   <c:v>0.375</c:v>
                 </c:pt>
                 <c:pt idx="4">
-                  <c:v>0.45829999999999999</c:v>
+                  <c:v>0.4583</c:v>
                 </c:pt>
                 <c:pt idx="5">
                   <c:v>0.375</c:v>
@@ -1839,7 +1840,7 @@
                 <c:formatCode>General</c:formatCode>
                 <c:ptCount val="6"/>
                 <c:pt idx="0">
-                  <c:v>0.41670000000000001</c:v>
+                  <c:v>0.4167</c:v>
                 </c:pt>
                 <c:pt idx="1">
                   <c:v>0.5</c:v>
@@ -1851,7 +1852,7 @@
                   <c:v>0.375</c:v>
                 </c:pt>
                 <c:pt idx="4">
-                  <c:v>0.45829999999999999</c:v>
+                  <c:v>0.4583</c:v>
                 </c:pt>
                 <c:pt idx="5">
                   <c:v>0.375</c:v>
@@ -1871,11 +1872,11 @@
         </c:dLbls>
         <c:marker val="1"/>
         <c:smooth val="0"/>
-        <c:axId val="51372800"/>
-        <c:axId val="51374336"/>
+        <c:axId val="-2057187784"/>
+        <c:axId val="-2057223512"/>
       </c:lineChart>
       <c:catAx>
-        <c:axId val="51372800"/>
+        <c:axId val="-2057187784"/>
         <c:scaling>
           <c:orientation val="minMax"/>
         </c:scaling>
@@ -1884,7 +1885,7 @@
         <c:majorTickMark val="out"/>
         <c:minorTickMark val="none"/>
         <c:tickLblPos val="nextTo"/>
-        <c:crossAx val="51374336"/>
+        <c:crossAx val="-2057223512"/>
         <c:crosses val="autoZero"/>
         <c:auto val="1"/>
         <c:lblAlgn val="ctr"/>
@@ -1892,10 +1893,10 @@
         <c:noMultiLvlLbl val="0"/>
       </c:catAx>
       <c:valAx>
-        <c:axId val="51374336"/>
+        <c:axId val="-2057223512"/>
         <c:scaling>
           <c:orientation val="minMax"/>
-          <c:max val="1"/>
+          <c:max val="1.0"/>
         </c:scaling>
         <c:delete val="0"/>
         <c:axPos val="l"/>
@@ -1904,7 +1905,7 @@
         <c:majorTickMark val="out"/>
         <c:minorTickMark val="none"/>
         <c:tickLblPos val="nextTo"/>
-        <c:crossAx val="51372800"/>
+        <c:crossAx val="-2057187784"/>
         <c:crosses val="autoZero"/>
         <c:crossBetween val="between"/>
       </c:valAx>
@@ -1986,22 +1987,22 @@
                 <c:formatCode>General</c:formatCode>
                 <c:ptCount val="6"/>
                 <c:pt idx="0">
-                  <c:v>0.84209999999999996</c:v>
+                  <c:v>0.8421</c:v>
                 </c:pt>
                 <c:pt idx="1">
                   <c:v>0.9123</c:v>
                 </c:pt>
                 <c:pt idx="2">
-                  <c:v>0.68240000000000001</c:v>
+                  <c:v>0.6824</c:v>
                 </c:pt>
                 <c:pt idx="3">
-                  <c:v>0.71930000000000005</c:v>
+                  <c:v>0.7193</c:v>
                 </c:pt>
                 <c:pt idx="4">
-                  <c:v>0.71930000000000005</c:v>
+                  <c:v>0.7193</c:v>
                 </c:pt>
                 <c:pt idx="5">
-                  <c:v>0.70179999999999998</c:v>
+                  <c:v>0.7018</c:v>
                 </c:pt>
               </c:numCache>
             </c:numRef>
@@ -2055,22 +2056,22 @@
                 <c:formatCode>General</c:formatCode>
                 <c:ptCount val="6"/>
                 <c:pt idx="0">
-                  <c:v>0.89470000000000005</c:v>
+                  <c:v>0.8947</c:v>
                 </c:pt>
                 <c:pt idx="1">
-                  <c:v>0.77190000000000003</c:v>
+                  <c:v>0.7719</c:v>
                 </c:pt>
                 <c:pt idx="2">
-                  <c:v>0.61399999999999999</c:v>
+                  <c:v>0.614</c:v>
                 </c:pt>
                 <c:pt idx="3">
-                  <c:v>0.78949999999999998</c:v>
+                  <c:v>0.7895</c:v>
                 </c:pt>
                 <c:pt idx="4">
-                  <c:v>0.77190000000000003</c:v>
+                  <c:v>0.7719</c:v>
                 </c:pt>
                 <c:pt idx="5">
-                  <c:v>0.96489999999999998</c:v>
+                  <c:v>0.9649</c:v>
                 </c:pt>
               </c:numCache>
             </c:numRef>
@@ -2124,22 +2125,22 @@
                 <c:formatCode>General</c:formatCode>
                 <c:ptCount val="6"/>
                 <c:pt idx="0">
-                  <c:v>0.89470000000000005</c:v>
+                  <c:v>0.8947</c:v>
                 </c:pt>
                 <c:pt idx="1">
-                  <c:v>0.94740000000000002</c:v>
+                  <c:v>0.9474</c:v>
                 </c:pt>
                 <c:pt idx="2">
-                  <c:v>0.63160000000000005</c:v>
+                  <c:v>0.6316</c:v>
                 </c:pt>
                 <c:pt idx="3">
-                  <c:v>0.77190000000000003</c:v>
+                  <c:v>0.7719</c:v>
                 </c:pt>
                 <c:pt idx="4">
-                  <c:v>0.77190000000000003</c:v>
+                  <c:v>0.7719</c:v>
                 </c:pt>
                 <c:pt idx="5">
-                  <c:v>0.77190000000000003</c:v>
+                  <c:v>0.7719</c:v>
                 </c:pt>
               </c:numCache>
             </c:numRef>
@@ -2193,22 +2194,22 @@
                 <c:formatCode>General</c:formatCode>
                 <c:ptCount val="6"/>
                 <c:pt idx="0">
-                  <c:v>0.89470000000000005</c:v>
+                  <c:v>0.8947</c:v>
                 </c:pt>
                 <c:pt idx="1">
-                  <c:v>0.94740000000000002</c:v>
+                  <c:v>0.9474</c:v>
                 </c:pt>
                 <c:pt idx="2">
-                  <c:v>0.63160000000000005</c:v>
+                  <c:v>0.6316</c:v>
                 </c:pt>
                 <c:pt idx="3">
-                  <c:v>0.77190000000000003</c:v>
+                  <c:v>0.7719</c:v>
                 </c:pt>
                 <c:pt idx="4">
-                  <c:v>0.77190000000000003</c:v>
+                  <c:v>0.7719</c:v>
                 </c:pt>
                 <c:pt idx="5">
-                  <c:v>0.77190000000000003</c:v>
+                  <c:v>0.7719</c:v>
                 </c:pt>
               </c:numCache>
             </c:numRef>
@@ -2225,11 +2226,11 @@
         </c:dLbls>
         <c:marker val="1"/>
         <c:smooth val="0"/>
-        <c:axId val="52723712"/>
-        <c:axId val="52725248"/>
+        <c:axId val="-2071911304"/>
+        <c:axId val="-2057237496"/>
       </c:lineChart>
       <c:catAx>
-        <c:axId val="52723712"/>
+        <c:axId val="-2071911304"/>
         <c:scaling>
           <c:orientation val="minMax"/>
         </c:scaling>
@@ -2238,7 +2239,7 @@
         <c:majorTickMark val="out"/>
         <c:minorTickMark val="none"/>
         <c:tickLblPos val="nextTo"/>
-        <c:crossAx val="52725248"/>
+        <c:crossAx val="-2057237496"/>
         <c:crosses val="autoZero"/>
         <c:auto val="1"/>
         <c:lblAlgn val="ctr"/>
@@ -2246,10 +2247,10 @@
         <c:noMultiLvlLbl val="0"/>
       </c:catAx>
       <c:valAx>
-        <c:axId val="52725248"/>
+        <c:axId val="-2057237496"/>
         <c:scaling>
           <c:orientation val="minMax"/>
-          <c:max val="1"/>
+          <c:max val="1.0"/>
         </c:scaling>
         <c:delete val="0"/>
         <c:axPos val="l"/>
@@ -2258,7 +2259,7 @@
         <c:majorTickMark val="out"/>
         <c:minorTickMark val="none"/>
         <c:tickLblPos val="nextTo"/>
-        <c:crossAx val="52723712"/>
+        <c:crossAx val="-2071911304"/>
         <c:crosses val="autoZero"/>
         <c:crossBetween val="between"/>
       </c:valAx>
@@ -2340,16 +2341,16 @@
                 <c:formatCode>General</c:formatCode>
                 <c:ptCount val="6"/>
                 <c:pt idx="0">
-                  <c:v>0.45829999999999999</c:v>
+                  <c:v>0.4583</c:v>
                 </c:pt>
                 <c:pt idx="1">
-                  <c:v>0.29170000000000001</c:v>
+                  <c:v>0.2917</c:v>
                 </c:pt>
                 <c:pt idx="2">
-                  <c:v>0.41670000000000001</c:v>
+                  <c:v>0.4167</c:v>
                 </c:pt>
                 <c:pt idx="3">
-                  <c:v>0.54169999999999996</c:v>
+                  <c:v>0.5417</c:v>
                 </c:pt>
                 <c:pt idx="4">
                   <c:v>0.5</c:v>
@@ -2409,10 +2410,10 @@
                 <c:formatCode>General</c:formatCode>
                 <c:ptCount val="6"/>
                 <c:pt idx="0">
-                  <c:v>0.41670000000000001</c:v>
+                  <c:v>0.4167</c:v>
                 </c:pt>
                 <c:pt idx="1">
-                  <c:v>0.41670000000000001</c:v>
+                  <c:v>0.4167</c:v>
                 </c:pt>
                 <c:pt idx="2">
                   <c:v>0.375</c:v>
@@ -2478,7 +2479,7 @@
                 <c:formatCode>General</c:formatCode>
                 <c:ptCount val="6"/>
                 <c:pt idx="0">
-                  <c:v>0.41670000000000001</c:v>
+                  <c:v>0.4167</c:v>
                 </c:pt>
                 <c:pt idx="1">
                   <c:v>0.5</c:v>
@@ -2490,7 +2491,7 @@
                   <c:v>0.375</c:v>
                 </c:pt>
                 <c:pt idx="4">
-                  <c:v>0.45829999999999999</c:v>
+                  <c:v>0.4583</c:v>
                 </c:pt>
                 <c:pt idx="5">
                   <c:v>0.375</c:v>
@@ -2547,7 +2548,7 @@
                 <c:formatCode>General</c:formatCode>
                 <c:ptCount val="6"/>
                 <c:pt idx="0">
-                  <c:v>0.41670000000000001</c:v>
+                  <c:v>0.4167</c:v>
                 </c:pt>
                 <c:pt idx="1">
                   <c:v>0.5</c:v>
@@ -2559,7 +2560,7 @@
                   <c:v>0.375</c:v>
                 </c:pt>
                 <c:pt idx="4">
-                  <c:v>0.45829999999999999</c:v>
+                  <c:v>0.4583</c:v>
                 </c:pt>
                 <c:pt idx="5">
                   <c:v>0.375</c:v>
@@ -2579,11 +2580,11 @@
         </c:dLbls>
         <c:marker val="1"/>
         <c:smooth val="0"/>
-        <c:axId val="91079808"/>
-        <c:axId val="94025984"/>
+        <c:axId val="-2092041528"/>
+        <c:axId val="-2092045912"/>
       </c:lineChart>
       <c:catAx>
-        <c:axId val="91079808"/>
+        <c:axId val="-2092041528"/>
         <c:scaling>
           <c:orientation val="minMax"/>
         </c:scaling>
@@ -2592,7 +2593,7 @@
         <c:majorTickMark val="out"/>
         <c:minorTickMark val="none"/>
         <c:tickLblPos val="nextTo"/>
-        <c:crossAx val="94025984"/>
+        <c:crossAx val="-2092045912"/>
         <c:crosses val="autoZero"/>
         <c:auto val="1"/>
         <c:lblAlgn val="ctr"/>
@@ -2600,10 +2601,10 @@
         <c:noMultiLvlLbl val="0"/>
       </c:catAx>
       <c:valAx>
-        <c:axId val="94025984"/>
+        <c:axId val="-2092045912"/>
         <c:scaling>
           <c:orientation val="minMax"/>
-          <c:max val="1"/>
+          <c:max val="1.0"/>
         </c:scaling>
         <c:delete val="0"/>
         <c:axPos val="l"/>
@@ -2612,7 +2613,7 @@
         <c:majorTickMark val="out"/>
         <c:minorTickMark val="none"/>
         <c:tickLblPos val="nextTo"/>
-        <c:crossAx val="91079808"/>
+        <c:crossAx val="-2092041528"/>
         <c:crosses val="autoZero"/>
         <c:crossBetween val="between"/>
       </c:valAx>
@@ -2694,22 +2695,22 @@
                 <c:formatCode>General</c:formatCode>
                 <c:ptCount val="6"/>
                 <c:pt idx="0">
-                  <c:v>0.84209999999999996</c:v>
+                  <c:v>0.8421</c:v>
                 </c:pt>
                 <c:pt idx="1">
                   <c:v>0.9123</c:v>
                 </c:pt>
                 <c:pt idx="2">
-                  <c:v>0.68240000000000001</c:v>
+                  <c:v>0.6824</c:v>
                 </c:pt>
                 <c:pt idx="3">
-                  <c:v>0.71930000000000005</c:v>
+                  <c:v>0.7193</c:v>
                 </c:pt>
                 <c:pt idx="4">
-                  <c:v>0.71930000000000005</c:v>
+                  <c:v>0.7193</c:v>
                 </c:pt>
                 <c:pt idx="5">
-                  <c:v>0.70179999999999998</c:v>
+                  <c:v>0.7018</c:v>
                 </c:pt>
               </c:numCache>
             </c:numRef>
@@ -2763,22 +2764,22 @@
                 <c:formatCode>General</c:formatCode>
                 <c:ptCount val="6"/>
                 <c:pt idx="0">
-                  <c:v>0.89470000000000005</c:v>
+                  <c:v>0.8947</c:v>
                 </c:pt>
                 <c:pt idx="1">
-                  <c:v>0.77190000000000003</c:v>
+                  <c:v>0.7719</c:v>
                 </c:pt>
                 <c:pt idx="2">
-                  <c:v>0.61399999999999999</c:v>
+                  <c:v>0.614</c:v>
                 </c:pt>
                 <c:pt idx="3">
-                  <c:v>0.78949999999999998</c:v>
+                  <c:v>0.7895</c:v>
                 </c:pt>
                 <c:pt idx="4">
-                  <c:v>0.77190000000000003</c:v>
+                  <c:v>0.7719</c:v>
                 </c:pt>
                 <c:pt idx="5">
-                  <c:v>0.96489999999999998</c:v>
+                  <c:v>0.9649</c:v>
                 </c:pt>
               </c:numCache>
             </c:numRef>
@@ -2832,22 +2833,22 @@
                 <c:formatCode>General</c:formatCode>
                 <c:ptCount val="6"/>
                 <c:pt idx="0">
-                  <c:v>0.89470000000000005</c:v>
+                  <c:v>0.8947</c:v>
                 </c:pt>
                 <c:pt idx="1">
-                  <c:v>0.94740000000000002</c:v>
+                  <c:v>0.9474</c:v>
                 </c:pt>
                 <c:pt idx="2">
-                  <c:v>0.63160000000000005</c:v>
+                  <c:v>0.6316</c:v>
                 </c:pt>
                 <c:pt idx="3">
-                  <c:v>0.77190000000000003</c:v>
+                  <c:v>0.7719</c:v>
                 </c:pt>
                 <c:pt idx="4">
-                  <c:v>0.77190000000000003</c:v>
+                  <c:v>0.7719</c:v>
                 </c:pt>
                 <c:pt idx="5">
-                  <c:v>0.77190000000000003</c:v>
+                  <c:v>0.7719</c:v>
                 </c:pt>
               </c:numCache>
             </c:numRef>
@@ -2901,22 +2902,22 @@
                 <c:formatCode>General</c:formatCode>
                 <c:ptCount val="6"/>
                 <c:pt idx="0">
-                  <c:v>0.89470000000000005</c:v>
+                  <c:v>0.8947</c:v>
                 </c:pt>
                 <c:pt idx="1">
-                  <c:v>0.94740000000000002</c:v>
+                  <c:v>0.9474</c:v>
                 </c:pt>
                 <c:pt idx="2">
-                  <c:v>0.63160000000000005</c:v>
+                  <c:v>0.6316</c:v>
                 </c:pt>
                 <c:pt idx="3">
-                  <c:v>0.77190000000000003</c:v>
+                  <c:v>0.7719</c:v>
                 </c:pt>
                 <c:pt idx="4">
-                  <c:v>0.77190000000000003</c:v>
+                  <c:v>0.7719</c:v>
                 </c:pt>
                 <c:pt idx="5">
-                  <c:v>0.77190000000000003</c:v>
+                  <c:v>0.7719</c:v>
                 </c:pt>
               </c:numCache>
             </c:numRef>
@@ -2933,11 +2934,11 @@
         </c:dLbls>
         <c:marker val="1"/>
         <c:smooth val="0"/>
-        <c:axId val="123299328"/>
-        <c:axId val="123300864"/>
+        <c:axId val="-2092075768"/>
+        <c:axId val="-2092078088"/>
       </c:lineChart>
       <c:catAx>
-        <c:axId val="123299328"/>
+        <c:axId val="-2092075768"/>
         <c:scaling>
           <c:orientation val="minMax"/>
         </c:scaling>
@@ -2946,7 +2947,7 @@
         <c:majorTickMark val="out"/>
         <c:minorTickMark val="none"/>
         <c:tickLblPos val="nextTo"/>
-        <c:crossAx val="123300864"/>
+        <c:crossAx val="-2092078088"/>
         <c:crosses val="autoZero"/>
         <c:auto val="1"/>
         <c:lblAlgn val="ctr"/>
@@ -2954,10 +2955,10 @@
         <c:noMultiLvlLbl val="0"/>
       </c:catAx>
       <c:valAx>
-        <c:axId val="123300864"/>
+        <c:axId val="-2092078088"/>
         <c:scaling>
           <c:orientation val="minMax"/>
-          <c:max val="1"/>
+          <c:max val="1.0"/>
         </c:scaling>
         <c:delete val="0"/>
         <c:axPos val="l"/>
@@ -2966,7 +2967,7 @@
         <c:majorTickMark val="out"/>
         <c:minorTickMark val="none"/>
         <c:tickLblPos val="nextTo"/>
-        <c:crossAx val="123299328"/>
+        <c:crossAx val="-2092075768"/>
         <c:crosses val="autoZero"/>
         <c:crossBetween val="between"/>
       </c:valAx>
@@ -3063,7 +3064,7 @@
           <a:p>
             <a:fld id="{8887C12A-3CDD-FF4A-9F90-E15CB567C633}" type="datetimeFigureOut">
               <a:rPr lang="en-US" smtClean="0"/>
-              <a:t>5/9/2014</a:t>
+              <a:t>5/12/14</a:t>
             </a:fld>
             <a:endParaRPr lang="en-US"/>
           </a:p>
@@ -3788,7 +3789,7 @@
           <a:p>
             <a:fld id="{6EAE9F20-9478-42F4-9FF4-33D5845E5FEA}" type="datetimeFigureOut">
               <a:rPr lang="en-US" smtClean="0"/>
-              <a:t>5/9/2014</a:t>
+              <a:t>5/12/14</a:t>
             </a:fld>
             <a:endParaRPr lang="en-US"/>
           </a:p>
@@ -3958,7 +3959,7 @@
           <a:p>
             <a:fld id="{6EAE9F20-9478-42F4-9FF4-33D5845E5FEA}" type="datetimeFigureOut">
               <a:rPr lang="en-US" smtClean="0"/>
-              <a:t>5/9/2014</a:t>
+              <a:t>5/12/14</a:t>
             </a:fld>
             <a:endParaRPr lang="en-US"/>
           </a:p>
@@ -4138,7 +4139,7 @@
           <a:p>
             <a:fld id="{6EAE9F20-9478-42F4-9FF4-33D5845E5FEA}" type="datetimeFigureOut">
               <a:rPr lang="en-US" smtClean="0"/>
-              <a:t>5/9/2014</a:t>
+              <a:t>5/12/14</a:t>
             </a:fld>
             <a:endParaRPr lang="en-US"/>
           </a:p>
@@ -4308,7 +4309,7 @@
           <a:p>
             <a:fld id="{6EAE9F20-9478-42F4-9FF4-33D5845E5FEA}" type="datetimeFigureOut">
               <a:rPr lang="en-US" smtClean="0"/>
-              <a:t>5/9/2014</a:t>
+              <a:t>5/12/14</a:t>
             </a:fld>
             <a:endParaRPr lang="en-US"/>
           </a:p>
@@ -4554,7 +4555,7 @@
           <a:p>
             <a:fld id="{6EAE9F20-9478-42F4-9FF4-33D5845E5FEA}" type="datetimeFigureOut">
               <a:rPr lang="en-US" smtClean="0"/>
-              <a:t>5/9/2014</a:t>
+              <a:t>5/12/14</a:t>
             </a:fld>
             <a:endParaRPr lang="en-US"/>
           </a:p>
@@ -4842,7 +4843,7 @@
           <a:p>
             <a:fld id="{6EAE9F20-9478-42F4-9FF4-33D5845E5FEA}" type="datetimeFigureOut">
               <a:rPr lang="en-US" smtClean="0"/>
-              <a:t>5/9/2014</a:t>
+              <a:t>5/12/14</a:t>
             </a:fld>
             <a:endParaRPr lang="en-US"/>
           </a:p>
@@ -5264,7 +5265,7 @@
           <a:p>
             <a:fld id="{6EAE9F20-9478-42F4-9FF4-33D5845E5FEA}" type="datetimeFigureOut">
               <a:rPr lang="en-US" smtClean="0"/>
-              <a:t>5/9/2014</a:t>
+              <a:t>5/12/14</a:t>
             </a:fld>
             <a:endParaRPr lang="en-US"/>
           </a:p>
@@ -5382,7 +5383,7 @@
           <a:p>
             <a:fld id="{6EAE9F20-9478-42F4-9FF4-33D5845E5FEA}" type="datetimeFigureOut">
               <a:rPr lang="en-US" smtClean="0"/>
-              <a:t>5/9/2014</a:t>
+              <a:t>5/12/14</a:t>
             </a:fld>
             <a:endParaRPr lang="en-US"/>
           </a:p>
@@ -5477,7 +5478,7 @@
           <a:p>
             <a:fld id="{6EAE9F20-9478-42F4-9FF4-33D5845E5FEA}" type="datetimeFigureOut">
               <a:rPr lang="en-US" smtClean="0"/>
-              <a:t>5/9/2014</a:t>
+              <a:t>5/12/14</a:t>
             </a:fld>
             <a:endParaRPr lang="en-US"/>
           </a:p>
@@ -5754,7 +5755,7 @@
           <a:p>
             <a:fld id="{6EAE9F20-9478-42F4-9FF4-33D5845E5FEA}" type="datetimeFigureOut">
               <a:rPr lang="en-US" smtClean="0"/>
-              <a:t>5/9/2014</a:t>
+              <a:t>5/12/14</a:t>
             </a:fld>
             <a:endParaRPr lang="en-US"/>
           </a:p>
@@ -6007,7 +6008,7 @@
           <a:p>
             <a:fld id="{6EAE9F20-9478-42F4-9FF4-33D5845E5FEA}" type="datetimeFigureOut">
               <a:rPr lang="en-US" smtClean="0"/>
-              <a:t>5/9/2014</a:t>
+              <a:t>5/12/14</a:t>
             </a:fld>
             <a:endParaRPr lang="en-US"/>
           </a:p>
@@ -6220,7 +6221,7 @@
           <a:p>
             <a:fld id="{6EAE9F20-9478-42F4-9FF4-33D5845E5FEA}" type="datetimeFigureOut">
               <a:rPr lang="en-US" smtClean="0"/>
-              <a:t>5/9/2014</a:t>
+              <a:t>5/12/14</a:t>
             </a:fld>
             <a:endParaRPr lang="en-US"/>
           </a:p>
@@ -6675,7 +6676,7 @@
   <p:timing>
     <p:tnLst>
       <p:par>
-        <p:cTn id="1" dur="indefinite" restart="never" nodeType="tmRoot"/>
+        <p:cTn xmlns:p14="http://schemas.microsoft.com/office/powerpoint/2010/main" id="1" dur="indefinite" restart="never" nodeType="tmRoot"/>
       </p:par>
     </p:tnLst>
   </p:timing>
@@ -6730,7 +6731,7 @@
           </a:prstGeom>
           <a:noFill/>
           <a:extLst>
-            <a:ext uri="{909E8E84-426E-40DD-AFC4-6F175D3DCCD1}">
+            <a:ext uri="{909E8E84-426E-40dd-AFC4-6F175D3DCCD1}">
               <a14:hiddenFill xmlns:a14="http://schemas.microsoft.com/office/drawing/2010/main">
                 <a:solidFill>
                   <a:srgbClr val="FFFFFF"/>
@@ -6771,7 +6772,7 @@
           </a:prstGeom>
           <a:noFill/>
           <a:extLst>
-            <a:ext uri="{909E8E84-426E-40DD-AFC4-6F175D3DCCD1}">
+            <a:ext uri="{909E8E84-426E-40dd-AFC4-6F175D3DCCD1}">
               <a14:hiddenFill xmlns:a14="http://schemas.microsoft.com/office/drawing/2010/main">
                 <a:solidFill>
                   <a:srgbClr val="FFFFFF"/>
@@ -6812,7 +6813,7 @@
           </a:prstGeom>
           <a:noFill/>
           <a:extLst>
-            <a:ext uri="{909E8E84-426E-40DD-AFC4-6F175D3DCCD1}">
+            <a:ext uri="{909E8E84-426E-40dd-AFC4-6F175D3DCCD1}">
               <a14:hiddenFill xmlns:a14="http://schemas.microsoft.com/office/drawing/2010/main">
                 <a:solidFill>
                   <a:srgbClr val="FFFFFF"/>
@@ -6853,7 +6854,7 @@
           </a:prstGeom>
           <a:noFill/>
           <a:extLst>
-            <a:ext uri="{909E8E84-426E-40DD-AFC4-6F175D3DCCD1}">
+            <a:ext uri="{909E8E84-426E-40dd-AFC4-6F175D3DCCD1}">
               <a14:hiddenFill xmlns:a14="http://schemas.microsoft.com/office/drawing/2010/main">
                 <a:solidFill>
                   <a:srgbClr val="FFFFFF"/>
@@ -6876,7 +6877,7 @@
   <p:timing>
     <p:tnLst>
       <p:par>
-        <p:cTn id="1" dur="indefinite" restart="never" nodeType="tmRoot"/>
+        <p:cTn xmlns:p14="http://schemas.microsoft.com/office/powerpoint/2010/main" id="1" dur="indefinite" restart="never" nodeType="tmRoot"/>
       </p:par>
     </p:tnLst>
   </p:timing>
@@ -6931,7 +6932,7 @@
           </a:prstGeom>
           <a:noFill/>
           <a:extLst>
-            <a:ext uri="{909E8E84-426E-40DD-AFC4-6F175D3DCCD1}">
+            <a:ext uri="{909E8E84-426E-40dd-AFC4-6F175D3DCCD1}">
               <a14:hiddenFill xmlns:a14="http://schemas.microsoft.com/office/drawing/2010/main">
                 <a:solidFill>
                   <a:srgbClr val="FFFFFF"/>
@@ -6972,7 +6973,7 @@
           </a:prstGeom>
           <a:noFill/>
           <a:extLst>
-            <a:ext uri="{909E8E84-426E-40DD-AFC4-6F175D3DCCD1}">
+            <a:ext uri="{909E8E84-426E-40dd-AFC4-6F175D3DCCD1}">
               <a14:hiddenFill xmlns:a14="http://schemas.microsoft.com/office/drawing/2010/main">
                 <a:solidFill>
                   <a:srgbClr val="FFFFFF"/>
@@ -7013,7 +7014,7 @@
           </a:prstGeom>
           <a:noFill/>
           <a:extLst>
-            <a:ext uri="{909E8E84-426E-40DD-AFC4-6F175D3DCCD1}">
+            <a:ext uri="{909E8E84-426E-40dd-AFC4-6F175D3DCCD1}">
               <a14:hiddenFill xmlns:a14="http://schemas.microsoft.com/office/drawing/2010/main">
                 <a:solidFill>
                   <a:srgbClr val="FFFFFF"/>
@@ -7054,7 +7055,7 @@
           </a:prstGeom>
           <a:noFill/>
           <a:extLst>
-            <a:ext uri="{909E8E84-426E-40DD-AFC4-6F175D3DCCD1}">
+            <a:ext uri="{909E8E84-426E-40dd-AFC4-6F175D3DCCD1}">
               <a14:hiddenFill xmlns:a14="http://schemas.microsoft.com/office/drawing/2010/main">
                 <a:solidFill>
                   <a:srgbClr val="FFFFFF"/>
@@ -7077,7 +7078,7 @@
   <p:timing>
     <p:tnLst>
       <p:par>
-        <p:cTn id="1" dur="indefinite" restart="never" nodeType="tmRoot"/>
+        <p:cTn xmlns:p14="http://schemas.microsoft.com/office/powerpoint/2010/main" id="1" dur="indefinite" restart="never" nodeType="tmRoot"/>
       </p:par>
     </p:tnLst>
   </p:timing>
@@ -7132,7 +7133,7 @@
           </a:prstGeom>
           <a:noFill/>
           <a:extLst>
-            <a:ext uri="{909E8E84-426E-40DD-AFC4-6F175D3DCCD1}">
+            <a:ext uri="{909E8E84-426E-40dd-AFC4-6F175D3DCCD1}">
               <a14:hiddenFill xmlns:a14="http://schemas.microsoft.com/office/drawing/2010/main">
                 <a:solidFill>
                   <a:srgbClr val="FFFFFF"/>
@@ -7173,7 +7174,7 @@
           </a:prstGeom>
           <a:noFill/>
           <a:extLst>
-            <a:ext uri="{909E8E84-426E-40DD-AFC4-6F175D3DCCD1}">
+            <a:ext uri="{909E8E84-426E-40dd-AFC4-6F175D3DCCD1}">
               <a14:hiddenFill xmlns:a14="http://schemas.microsoft.com/office/drawing/2010/main">
                 <a:solidFill>
                   <a:srgbClr val="FFFFFF"/>
@@ -7214,7 +7215,7 @@
           </a:prstGeom>
           <a:noFill/>
           <a:extLst>
-            <a:ext uri="{909E8E84-426E-40DD-AFC4-6F175D3DCCD1}">
+            <a:ext uri="{909E8E84-426E-40dd-AFC4-6F175D3DCCD1}">
               <a14:hiddenFill xmlns:a14="http://schemas.microsoft.com/office/drawing/2010/main">
                 <a:solidFill>
                   <a:srgbClr val="FFFFFF"/>
@@ -7255,7 +7256,7 @@
           </a:prstGeom>
           <a:noFill/>
           <a:extLst>
-            <a:ext uri="{909E8E84-426E-40DD-AFC4-6F175D3DCCD1}">
+            <a:ext uri="{909E8E84-426E-40dd-AFC4-6F175D3DCCD1}">
               <a14:hiddenFill xmlns:a14="http://schemas.microsoft.com/office/drawing/2010/main">
                 <a:solidFill>
                   <a:srgbClr val="FFFFFF"/>
@@ -7278,7 +7279,7 @@
   <p:timing>
     <p:tnLst>
       <p:par>
-        <p:cTn id="1" dur="indefinite" restart="never" nodeType="tmRoot"/>
+        <p:cTn xmlns:p14="http://schemas.microsoft.com/office/powerpoint/2010/main" id="1" dur="indefinite" restart="never" nodeType="tmRoot"/>
       </p:par>
     </p:tnLst>
   </p:timing>
@@ -7501,7 +7502,7 @@
   <p:timing>
     <p:tnLst>
       <p:par>
-        <p:cTn id="1" dur="indefinite" restart="never" nodeType="tmRoot"/>
+        <p:cTn xmlns:p14="http://schemas.microsoft.com/office/powerpoint/2010/main" id="1" dur="indefinite" restart="never" nodeType="tmRoot"/>
       </p:par>
     </p:tnLst>
   </p:timing>
@@ -7982,7 +7983,7 @@
   <p:timing>
     <p:tnLst>
       <p:par>
-        <p:cTn id="1" dur="indefinite" restart="never" nodeType="tmRoot"/>
+        <p:cTn xmlns:p14="http://schemas.microsoft.com/office/powerpoint/2010/main" id="1" dur="indefinite" restart="never" nodeType="tmRoot"/>
       </p:par>
     </p:tnLst>
   </p:timing>
@@ -8234,7 +8235,7 @@
   <p:timing>
     <p:tnLst>
       <p:par>
-        <p:cTn id="1" dur="indefinite" restart="never" nodeType="tmRoot"/>
+        <p:cTn xmlns:p14="http://schemas.microsoft.com/office/powerpoint/2010/main" id="1" dur="indefinite" restart="never" nodeType="tmRoot"/>
       </p:par>
     </p:tnLst>
   </p:timing>
@@ -8397,7 +8398,7 @@
               <a:lstStyle/>
               <a:p>
                 <a14:m>
-                  <m:oMath xmlns:m="http://schemas.openxmlformats.org/officeDocument/2006/math">
+                  <m:oMath xmlns:m="http://schemas.openxmlformats.org/officeDocument/2006/math" xmlns="">
                     <m:acc>
                       <m:accPr>
                         <m:chr m:val="̂"/>
@@ -8600,7 +8601,7 @@
                   <a:t>= </a:t>
                 </a:r>
                 <a14:m>
-                  <m:oMath xmlns:m="http://schemas.openxmlformats.org/officeDocument/2006/math">
+                  <m:oMath xmlns:m="http://schemas.openxmlformats.org/officeDocument/2006/math" xmlns="">
                     <m:f>
                       <m:fPr>
                         <m:ctrlPr>
@@ -8948,14 +8949,14 @@
               <a:noFill/>
             </a:ln>
             <a:extLst>
-              <a:ext uri="{909E8E84-426E-40DD-AFC4-6F175D3DCCD1}">
+              <a:ext uri="{909E8E84-426E-40dd-AFC4-6F175D3DCCD1}">
                 <a14:hiddenFill xmlns:a14="http://schemas.microsoft.com/office/drawing/2010/main">
                   <a:solidFill>
                     <a:schemeClr val="accent1"/>
                   </a:solidFill>
                 </a14:hiddenFill>
               </a:ext>
-              <a:ext uri="{91240B29-F687-4F45-9708-019B960494DF}">
+              <a:ext uri="{91240B29-F687-4f45-9708-019B960494DF}">
                 <a14:hiddenLine xmlns:a14="http://schemas.microsoft.com/office/drawing/2010/main" w="9525">
                   <a:solidFill>
                     <a:schemeClr val="tx1"/>
@@ -8982,7 +8983,7 @@
   <p:timing>
     <p:tnLst>
       <p:par>
-        <p:cTn id="1" dur="indefinite" restart="never" nodeType="tmRoot"/>
+        <p:cTn xmlns:p14="http://schemas.microsoft.com/office/powerpoint/2010/main" id="1" dur="indefinite" restart="never" nodeType="tmRoot"/>
       </p:par>
     </p:tnLst>
   </p:timing>
@@ -9160,7 +9161,7 @@
   <p:timing>
     <p:tnLst>
       <p:par>
-        <p:cTn id="1" dur="indefinite" restart="never" nodeType="tmRoot">
+        <p:cTn xmlns:p14="http://schemas.microsoft.com/office/powerpoint/2010/main" id="1" dur="indefinite" restart="never" nodeType="tmRoot">
           <p:childTnLst>
             <p:seq concurrent="1" nextAc="seek">
               <p:cTn id="2" dur="indefinite" nodeType="mainSeq">
@@ -9787,14 +9788,14 @@
                 <a:noFill/>
               </a:ln>
               <a:extLst>
-                <a:ext uri="{909E8E84-426E-40DD-AFC4-6F175D3DCCD1}">
+                <a:ext uri="{909E8E84-426E-40dd-AFC4-6F175D3DCCD1}">
                   <a14:hiddenFill xmlns:a14="http://schemas.microsoft.com/office/drawing/2010/main">
                     <a:solidFill>
                       <a:schemeClr val="accent1"/>
                     </a:solidFill>
                   </a14:hiddenFill>
                 </a:ext>
-                <a:ext uri="{91240B29-F687-4F45-9708-019B960494DF}">
+                <a:ext uri="{91240B29-F687-4f45-9708-019B960494DF}">
                   <a14:hiddenLine xmlns:a14="http://schemas.microsoft.com/office/drawing/2010/main" w="9525">
                     <a:solidFill>
                       <a:schemeClr val="tx1"/>
@@ -9969,7 +9970,7 @@
   <p:timing>
     <p:tnLst>
       <p:par>
-        <p:cTn id="1" dur="indefinite" restart="never" nodeType="tmRoot"/>
+        <p:cTn xmlns:p14="http://schemas.microsoft.com/office/powerpoint/2010/main" id="1" dur="indefinite" restart="never" nodeType="tmRoot"/>
       </p:par>
     </p:tnLst>
   </p:timing>
@@ -10037,7 +10038,6 @@
               <a:rPr lang="en-US" dirty="0" smtClean="0"/>
               <a:t>Understanding the data format and challenge</a:t>
             </a:r>
-            <a:endParaRPr lang="en-US" dirty="0" smtClean="0"/>
           </a:p>
           <a:p>
             <a:r>
@@ -10097,17 +10097,8 @@
           <a:p>
             <a:r>
               <a:rPr lang="en-US" dirty="0" smtClean="0"/>
-              <a:t>Stretching </a:t>
-            </a:r>
-            <a:r>
-              <a:rPr lang="en-US" dirty="0" smtClean="0"/>
-              <a:t>the prediction </a:t>
-            </a:r>
-            <a:r>
-              <a:rPr lang="en-US" dirty="0" smtClean="0"/>
-              <a:t>models</a:t>
-            </a:r>
-            <a:endParaRPr lang="en-US" dirty="0" smtClean="0"/>
+              <a:t>Stretching the prediction models</a:t>
+            </a:r>
           </a:p>
           <a:p>
             <a:r>
@@ -10137,7 +10128,7 @@
   <p:timing>
     <p:tnLst>
       <p:par>
-        <p:cTn id="1" dur="indefinite" restart="never" nodeType="tmRoot"/>
+        <p:cTn xmlns:p14="http://schemas.microsoft.com/office/powerpoint/2010/main" id="1" dur="indefinite" restart="never" nodeType="tmRoot"/>
       </p:par>
     </p:tnLst>
   </p:timing>
@@ -10239,11 +10230,7 @@
             </a:r>
             <a:r>
               <a:rPr lang="en-US" dirty="0" smtClean="0"/>
-              <a:t>provided w</a:t>
-            </a:r>
-            <a:r>
-              <a:rPr lang="en-US" dirty="0" smtClean="0"/>
-              <a:t>hen the aneuploidy population exists </a:t>
+              <a:t>provided when the aneuploidy population exists </a:t>
             </a:r>
             <a:endParaRPr lang="en-US" dirty="0"/>
           </a:p>
@@ -10260,7 +10247,6 @@
               <a:rPr lang="en-US" dirty="0" smtClean="0"/>
               <a:t>Balance for mitotic population</a:t>
             </a:r>
-            <a:endParaRPr lang="en-US" dirty="0" smtClean="0"/>
           </a:p>
           <a:p>
             <a:r>
@@ -10307,23 +10293,14 @@
           <a:p>
             <a:r>
               <a:rPr lang="en-US" dirty="0" smtClean="0"/>
-              <a:t>All models </a:t>
-            </a:r>
+              <a:t>All models built with Caret (an open source R package)</a:t>
+            </a:r>
+          </a:p>
+          <a:p>
             <a:r>
               <a:rPr lang="en-US" dirty="0" smtClean="0"/>
-              <a:t>built with Caret (an open source R package)</a:t>
-            </a:r>
-          </a:p>
-          <a:p>
-            <a:r>
-              <a:rPr lang="en-US" dirty="0" smtClean="0"/>
-              <a:t>Comparing the p</a:t>
-            </a:r>
-            <a:r>
-              <a:rPr lang="en-US" dirty="0" smtClean="0"/>
-              <a:t>rediction results</a:t>
-            </a:r>
-            <a:endParaRPr lang="en-US" dirty="0" smtClean="0"/>
+              <a:t>Comparing the prediction results</a:t>
+            </a:r>
           </a:p>
           <a:p>
             <a:r>
@@ -10346,7 +10323,7 @@
   <p:timing>
     <p:tnLst>
       <p:par>
-        <p:cTn id="1" dur="indefinite" restart="never" nodeType="tmRoot"/>
+        <p:cTn xmlns:p14="http://schemas.microsoft.com/office/powerpoint/2010/main" id="1" dur="indefinite" restart="never" nodeType="tmRoot"/>
       </p:par>
     </p:tnLst>
   </p:timing>
@@ -10401,7 +10378,7 @@
           </a:prstGeom>
           <a:noFill/>
           <a:extLst>
-            <a:ext uri="{909E8E84-426E-40DD-AFC4-6F175D3DCCD1}">
+            <a:ext uri="{909E8E84-426E-40dd-AFC4-6F175D3DCCD1}">
               <a14:hiddenFill xmlns:a14="http://schemas.microsoft.com/office/drawing/2010/main">
                 <a:solidFill>
                   <a:srgbClr val="FFFFFF"/>
@@ -10488,9 +10465,8 @@
               </a:bodyPr>
               <a:lstStyle/>
               <a:p>
-                <a:pPr/>
                 <a14:m>
-                  <m:oMathPara xmlns:m="http://schemas.openxmlformats.org/officeDocument/2006/math">
+                  <m:oMathPara xmlns:m="http://schemas.openxmlformats.org/officeDocument/2006/math" xmlns="">
                     <m:oMathParaPr>
                       <m:jc m:val="centerGroup"/>
                     </m:oMathParaPr>
@@ -10601,9 +10577,8 @@
                 <a:endParaRPr lang="en-US" dirty="0" smtClean="0"/>
               </a:p>
               <a:p>
-                <a:pPr/>
                 <a14:m>
-                  <m:oMathPara xmlns:m="http://schemas.openxmlformats.org/officeDocument/2006/math">
+                  <m:oMathPara xmlns:m="http://schemas.openxmlformats.org/officeDocument/2006/math" xmlns="">
                     <m:oMathParaPr>
                       <m:jc m:val="centerGroup"/>
                     </m:oMathParaPr>
@@ -18780,7 +18755,7 @@
   <p:timing>
     <p:tnLst>
       <p:par>
-        <p:cTn id="1" dur="indefinite" restart="never" nodeType="tmRoot"/>
+        <p:cTn xmlns:p14="http://schemas.microsoft.com/office/powerpoint/2010/main" id="1" dur="indefinite" restart="never" nodeType="tmRoot"/>
       </p:par>
     </p:tnLst>
   </p:timing>
@@ -18953,7 +18928,7 @@
   <p:timing>
     <p:tnLst>
       <p:par>
-        <p:cTn id="1" dur="indefinite" restart="never" nodeType="tmRoot"/>
+        <p:cTn xmlns:p14="http://schemas.microsoft.com/office/powerpoint/2010/main" id="1" dur="indefinite" restart="never" nodeType="tmRoot"/>
       </p:par>
     </p:tnLst>
   </p:timing>
@@ -19125,7 +19100,7 @@
   <p:timing>
     <p:tnLst>
       <p:par>
-        <p:cTn id="1" dur="indefinite" restart="never" nodeType="tmRoot"/>
+        <p:cTn xmlns:p14="http://schemas.microsoft.com/office/powerpoint/2010/main" id="1" dur="indefinite" restart="never" nodeType="tmRoot"/>
       </p:par>
     </p:tnLst>
   </p:timing>
@@ -19298,7 +19273,7 @@
   <p:timing>
     <p:tnLst>
       <p:par>
-        <p:cTn id="1" dur="indefinite" restart="never" nodeType="tmRoot"/>
+        <p:cTn xmlns:p14="http://schemas.microsoft.com/office/powerpoint/2010/main" id="1" dur="indefinite" restart="never" nodeType="tmRoot"/>
       </p:par>
     </p:tnLst>
   </p:timing>
@@ -23376,7 +23351,7 @@
   <p:timing>
     <p:tnLst>
       <p:par>
-        <p:cTn id="1" dur="indefinite" restart="never" nodeType="tmRoot"/>
+        <p:cTn xmlns:p14="http://schemas.microsoft.com/office/powerpoint/2010/main" id="1" dur="indefinite" restart="never" nodeType="tmRoot"/>
       </p:par>
     </p:tnLst>
   </p:timing>
@@ -23443,7 +23418,7 @@
   <p:timing>
     <p:tnLst>
       <p:par>
-        <p:cTn id="1" dur="indefinite" restart="never" nodeType="tmRoot"/>
+        <p:cTn xmlns:p14="http://schemas.microsoft.com/office/powerpoint/2010/main" id="1" dur="indefinite" restart="never" nodeType="tmRoot"/>
       </p:par>
     </p:tnLst>
   </p:timing>
@@ -23501,14 +23476,14 @@
             <a:noFill/>
           </a:ln>
           <a:extLst>
-            <a:ext uri="{909E8E84-426E-40DD-AFC4-6F175D3DCCD1}">
+            <a:ext uri="{909E8E84-426E-40dd-AFC4-6F175D3DCCD1}">
               <a14:hiddenFill xmlns:a14="http://schemas.microsoft.com/office/drawing/2010/main">
                 <a:solidFill>
                   <a:schemeClr val="accent1"/>
                 </a:solidFill>
               </a14:hiddenFill>
             </a:ext>
-            <a:ext uri="{91240B29-F687-4F45-9708-019B960494DF}">
+            <a:ext uri="{91240B29-F687-4f45-9708-019B960494DF}">
               <a14:hiddenLine xmlns:a14="http://schemas.microsoft.com/office/drawing/2010/main" w="9525">
                 <a:solidFill>
                   <a:schemeClr val="tx1"/>
@@ -23639,7 +23614,7 @@
   <p:timing>
     <p:tnLst>
       <p:par>
-        <p:cTn id="1" dur="indefinite" restart="never" nodeType="tmRoot"/>
+        <p:cTn xmlns:p14="http://schemas.microsoft.com/office/powerpoint/2010/main" id="1" dur="indefinite" restart="never" nodeType="tmRoot"/>
       </p:par>
     </p:tnLst>
   </p:timing>
@@ -23786,14 +23761,14 @@
             <a:noFill/>
           </a:ln>
           <a:extLst>
-            <a:ext uri="{909E8E84-426E-40DD-AFC4-6F175D3DCCD1}">
+            <a:ext uri="{909E8E84-426E-40dd-AFC4-6F175D3DCCD1}">
               <a14:hiddenFill xmlns:a14="http://schemas.microsoft.com/office/drawing/2010/main">
                 <a:solidFill>
                   <a:schemeClr val="accent1"/>
                 </a:solidFill>
               </a14:hiddenFill>
             </a:ext>
-            <a:ext uri="{91240B29-F687-4F45-9708-019B960494DF}">
+            <a:ext uri="{91240B29-F687-4f45-9708-019B960494DF}">
               <a14:hiddenLine xmlns:a14="http://schemas.microsoft.com/office/drawing/2010/main" w="9525">
                 <a:solidFill>
                   <a:schemeClr val="tx1"/>
@@ -23819,7 +23794,7 @@
   <p:timing>
     <p:tnLst>
       <p:par>
-        <p:cTn id="1" dur="indefinite" restart="never" nodeType="tmRoot">
+        <p:cTn xmlns:p14="http://schemas.microsoft.com/office/powerpoint/2010/main" id="1" dur="indefinite" restart="never" nodeType="tmRoot">
           <p:childTnLst>
             <p:seq concurrent="1" nextAc="seek">
               <p:cTn id="2" dur="indefinite" nodeType="mainSeq">
@@ -24321,7 +24296,7 @@
   <p:timing>
     <p:tnLst>
       <p:par>
-        <p:cTn id="1" dur="indefinite" restart="never" nodeType="tmRoot"/>
+        <p:cTn xmlns:p14="http://schemas.microsoft.com/office/powerpoint/2010/main" id="1" dur="indefinite" restart="never" nodeType="tmRoot"/>
       </p:par>
     </p:tnLst>
   </p:timing>
@@ -24516,11 +24491,7 @@
           <a:p>
             <a:r>
               <a:rPr lang="en-US" dirty="0" smtClean="0"/>
-              <a:t>Explore two more </a:t>
-            </a:r>
-            <a:r>
-              <a:rPr lang="en-US" dirty="0" smtClean="0"/>
-              <a:t>statistical strategies handling overlapping cases</a:t>
+              <a:t>Explore two more statistical strategies handling overlapping cases</a:t>
             </a:r>
           </a:p>
           <a:p>
@@ -24560,7 +24531,7 @@
   <p:timing>
     <p:tnLst>
       <p:par>
-        <p:cTn id="1" dur="indefinite" restart="never" nodeType="tmRoot"/>
+        <p:cTn xmlns:p14="http://schemas.microsoft.com/office/powerpoint/2010/main" id="1" dur="indefinite" restart="never" nodeType="tmRoot"/>
       </p:par>
     </p:tnLst>
   </p:timing>
@@ -24645,13 +24616,8 @@
           <a:p>
             <a:r>
               <a:rPr lang="en-US" dirty="0" smtClean="0"/>
-              <a:t>On-going optimization </a:t>
-            </a:r>
-            <a:r>
-              <a:rPr lang="en-US" dirty="0" smtClean="0"/>
-              <a:t>for OLK patient</a:t>
-            </a:r>
-            <a:endParaRPr lang="en-US" dirty="0" smtClean="0"/>
+              <a:t>On-going optimization for OLK patient</a:t>
+            </a:r>
           </a:p>
           <a:p>
             <a:r>
@@ -24904,7 +24870,6 @@
               <a:rPr lang="en-US" dirty="0" smtClean="0"/>
               <a:t>Analytical feedback adjustment</a:t>
             </a:r>
-            <a:endParaRPr lang="en-US" dirty="0" smtClean="0"/>
           </a:p>
           <a:p>
             <a:r>
@@ -24981,265 +24946,6 @@
 </file>
 
 <file path=ppt/slides/slide37.xml><?xml version="1.0" encoding="utf-8"?>
-<p:sld xmlns:a="http://schemas.openxmlformats.org/drawingml/2006/main" xmlns:r="http://schemas.openxmlformats.org/officeDocument/2006/relationships" xmlns:p="http://schemas.openxmlformats.org/presentationml/2006/main">
-  <p:cSld>
-    <p:spTree>
-      <p:nvGrpSpPr>
-        <p:cNvPr id="1" name=""/>
-        <p:cNvGrpSpPr/>
-        <p:nvPr/>
-      </p:nvGrpSpPr>
-      <p:grpSpPr>
-        <a:xfrm>
-          <a:off x="0" y="0"/>
-          <a:ext cx="0" cy="0"/>
-          <a:chOff x="0" y="0"/>
-          <a:chExt cx="0" cy="0"/>
-        </a:xfrm>
-      </p:grpSpPr>
-      <p:sp>
-        <p:nvSpPr>
-          <p:cNvPr id="2" name="Title 1"/>
-          <p:cNvSpPr>
-            <a:spLocks noGrp="1"/>
-          </p:cNvSpPr>
-          <p:nvPr>
-            <p:ph type="title"/>
-          </p:nvPr>
-        </p:nvSpPr>
-        <p:spPr/>
-        <p:txBody>
-          <a:bodyPr/>
-          <a:lstStyle/>
-          <a:p>
-            <a:r>
-              <a:rPr lang="en-US" dirty="0"/>
-              <a:t>Future plan – tier </a:t>
-            </a:r>
-            <a:r>
-              <a:rPr lang="en-US" dirty="0" smtClean="0"/>
-              <a:t>3</a:t>
-            </a:r>
-            <a:endParaRPr lang="en-US" dirty="0"/>
-          </a:p>
-        </p:txBody>
-      </p:sp>
-      <p:sp>
-        <p:nvSpPr>
-          <p:cNvPr id="3" name="Content Placeholder 2"/>
-          <p:cNvSpPr>
-            <a:spLocks noGrp="1"/>
-          </p:cNvSpPr>
-          <p:nvPr>
-            <p:ph idx="1"/>
-          </p:nvPr>
-        </p:nvSpPr>
-        <p:spPr/>
-        <p:txBody>
-          <a:bodyPr>
-            <a:normAutofit lnSpcReduction="10000"/>
-          </a:bodyPr>
-          <a:lstStyle/>
-          <a:p>
-            <a:r>
-              <a:rPr lang="en-US" dirty="0" smtClean="0"/>
-              <a:t>Leveraging </a:t>
-            </a:r>
-            <a:r>
-              <a:rPr lang="en-US" dirty="0"/>
-              <a:t>molecular biology and NGS platform</a:t>
-            </a:r>
-          </a:p>
-          <a:p>
-            <a:r>
-              <a:rPr lang="en-US" dirty="0"/>
-              <a:t>Empowering the patient</a:t>
-            </a:r>
-          </a:p>
-          <a:p>
-            <a:r>
-              <a:rPr lang="en-US" dirty="0"/>
-              <a:t>Moving toward the standardization</a:t>
-            </a:r>
-          </a:p>
-          <a:p>
-            <a:r>
-              <a:rPr lang="en-US" dirty="0"/>
-              <a:t>Clinical implementation</a:t>
-            </a:r>
-          </a:p>
-          <a:p>
-            <a:pPr lvl="1"/>
-            <a:r>
-              <a:rPr lang="en-US" dirty="0"/>
-              <a:t>Recommendation of further lab analysis</a:t>
-            </a:r>
-          </a:p>
-          <a:p>
-            <a:pPr lvl="1"/>
-            <a:r>
-              <a:rPr lang="en-US" dirty="0"/>
-              <a:t>Recommendation of clinical follow-up </a:t>
-            </a:r>
-          </a:p>
-          <a:p>
-            <a:pPr lvl="1"/>
-            <a:r>
-              <a:rPr lang="en-US" dirty="0"/>
-              <a:t>Recommendation of therapeutically planning</a:t>
-            </a:r>
-          </a:p>
-          <a:p>
-            <a:r>
-              <a:rPr lang="en-US" dirty="0" smtClean="0"/>
-              <a:t>Extending </a:t>
-            </a:r>
-            <a:r>
-              <a:rPr lang="en-US" dirty="0"/>
-              <a:t>from static to mobile  </a:t>
-            </a:r>
-          </a:p>
-          <a:p>
-            <a:endParaRPr lang="en-US" dirty="0" smtClean="0"/>
-          </a:p>
-          <a:p>
-            <a:endParaRPr lang="en-US" dirty="0"/>
-          </a:p>
-        </p:txBody>
-      </p:sp>
-    </p:spTree>
-    <p:extLst>
-      <p:ext uri="{BB962C8B-B14F-4D97-AF65-F5344CB8AC3E}">
-        <p14:creationId xmlns:p14="http://schemas.microsoft.com/office/powerpoint/2010/main" val="4184935050"/>
-      </p:ext>
-    </p:extLst>
-  </p:cSld>
-  <p:clrMapOvr>
-    <a:masterClrMapping/>
-  </p:clrMapOvr>
-</p:sld>
-</file>
-
-<file path=ppt/slides/slide38.xml><?xml version="1.0" encoding="utf-8"?>
-<p:sld xmlns:a="http://schemas.openxmlformats.org/drawingml/2006/main" xmlns:r="http://schemas.openxmlformats.org/officeDocument/2006/relationships" xmlns:p="http://schemas.openxmlformats.org/presentationml/2006/main">
-  <p:cSld>
-    <p:spTree>
-      <p:nvGrpSpPr>
-        <p:cNvPr id="1" name=""/>
-        <p:cNvGrpSpPr/>
-        <p:nvPr/>
-      </p:nvGrpSpPr>
-      <p:grpSpPr>
-        <a:xfrm>
-          <a:off x="0" y="0"/>
-          <a:ext cx="0" cy="0"/>
-          <a:chOff x="0" y="0"/>
-          <a:chExt cx="0" cy="0"/>
-        </a:xfrm>
-      </p:grpSpPr>
-      <p:sp>
-        <p:nvSpPr>
-          <p:cNvPr id="2" name="Title 1"/>
-          <p:cNvSpPr>
-            <a:spLocks noGrp="1"/>
-          </p:cNvSpPr>
-          <p:nvPr>
-            <p:ph type="title"/>
-          </p:nvPr>
-        </p:nvSpPr>
-        <p:spPr/>
-        <p:txBody>
-          <a:bodyPr/>
-          <a:lstStyle/>
-          <a:p>
-            <a:r>
-              <a:rPr lang="en-US" dirty="0" smtClean="0"/>
-              <a:t>Future plan – tier 4</a:t>
-            </a:r>
-            <a:endParaRPr lang="en-US" dirty="0"/>
-          </a:p>
-        </p:txBody>
-      </p:sp>
-      <p:sp>
-        <p:nvSpPr>
-          <p:cNvPr id="3" name="Content Placeholder 2"/>
-          <p:cNvSpPr>
-            <a:spLocks noGrp="1"/>
-          </p:cNvSpPr>
-          <p:nvPr>
-            <p:ph idx="1"/>
-          </p:nvPr>
-        </p:nvSpPr>
-        <p:spPr/>
-        <p:txBody>
-          <a:bodyPr>
-            <a:normAutofit/>
-          </a:bodyPr>
-          <a:lstStyle/>
-          <a:p>
-            <a:r>
-              <a:rPr lang="en-US" dirty="0" smtClean="0"/>
-              <a:t>Promote a GMP </a:t>
-            </a:r>
-            <a:r>
-              <a:rPr lang="en-US" dirty="0" smtClean="0"/>
-              <a:t>equivalent analytical protocol</a:t>
-            </a:r>
-          </a:p>
-          <a:p>
-            <a:r>
-              <a:rPr lang="en-US" dirty="0" smtClean="0"/>
-              <a:t>Samples collection</a:t>
-            </a:r>
-          </a:p>
-          <a:p>
-            <a:r>
-              <a:rPr lang="en-US" dirty="0" smtClean="0"/>
-              <a:t>Sample analysis </a:t>
-            </a:r>
-          </a:p>
-          <a:p>
-            <a:r>
-              <a:rPr lang="en-US" dirty="0" smtClean="0"/>
-              <a:t>Data acquisition</a:t>
-            </a:r>
-          </a:p>
-          <a:p>
-            <a:r>
-              <a:rPr lang="en-US" dirty="0" smtClean="0"/>
-              <a:t>Data </a:t>
-            </a:r>
-            <a:r>
-              <a:rPr lang="en-US" dirty="0"/>
-              <a:t>analysis</a:t>
-            </a:r>
-            <a:endParaRPr lang="en-US" dirty="0" smtClean="0"/>
-          </a:p>
-          <a:p>
-            <a:r>
-              <a:rPr lang="en-US" dirty="0" smtClean="0"/>
-              <a:t>Clinical reporting system</a:t>
-            </a:r>
-          </a:p>
-          <a:p>
-            <a:endParaRPr lang="en-US" dirty="0"/>
-          </a:p>
-        </p:txBody>
-      </p:sp>
-    </p:spTree>
-    <p:extLst>
-      <p:ext uri="{BB962C8B-B14F-4D97-AF65-F5344CB8AC3E}">
-        <p14:creationId xmlns:p14="http://schemas.microsoft.com/office/powerpoint/2010/main" val="4184935050"/>
-      </p:ext>
-    </p:extLst>
-  </p:cSld>
-  <p:clrMapOvr>
-    <a:masterClrMapping/>
-  </p:clrMapOvr>
-</p:sld>
-</file>
-
-<file path=ppt/slides/slide39.xml><?xml version="1.0" encoding="utf-8"?>
 <p:sld xmlns:a="http://schemas.openxmlformats.org/drawingml/2006/main" xmlns:r="http://schemas.openxmlformats.org/officeDocument/2006/relationships" xmlns:p="http://schemas.openxmlformats.org/presentationml/2006/main">
   <p:cSld>
     <p:spTree>
@@ -25287,7 +24993,7 @@
           </a:prstGeom>
           <a:noFill/>
           <a:extLst>
-            <a:ext uri="{909E8E84-426E-40DD-AFC4-6F175D3DCCD1}">
+            <a:ext uri="{909E8E84-426E-40dd-AFC4-6F175D3DCCD1}">
               <a14:hiddenFill xmlns:a14="http://schemas.microsoft.com/office/drawing/2010/main">
                 <a:solidFill>
                   <a:srgbClr val="FFFFFF"/>
@@ -25310,266 +25016,7 @@
 </p:sld>
 </file>
 
-<file path=ppt/slides/slide4.xml><?xml version="1.0" encoding="utf-8"?>
-<p:sld xmlns:a="http://schemas.openxmlformats.org/drawingml/2006/main" xmlns:r="http://schemas.openxmlformats.org/officeDocument/2006/relationships" xmlns:p="http://schemas.openxmlformats.org/presentationml/2006/main">
-  <p:cSld>
-    <p:spTree>
-      <p:nvGrpSpPr>
-        <p:cNvPr id="1" name=""/>
-        <p:cNvGrpSpPr/>
-        <p:nvPr/>
-      </p:nvGrpSpPr>
-      <p:grpSpPr>
-        <a:xfrm>
-          <a:off x="0" y="0"/>
-          <a:ext cx="0" cy="0"/>
-          <a:chOff x="0" y="0"/>
-          <a:chExt cx="0" cy="0"/>
-        </a:xfrm>
-      </p:grpSpPr>
-      <p:pic>
-        <p:nvPicPr>
-          <p:cNvPr id="1026" name="Picture 2"/>
-          <p:cNvPicPr>
-            <a:picLocks noChangeAspect="1" noChangeArrowheads="1"/>
-          </p:cNvPicPr>
-          <p:nvPr/>
-        </p:nvPicPr>
-        <p:blipFill>
-          <a:blip r:embed="rId3">
-            <a:extLst>
-              <a:ext uri="{28A0092B-C50C-407E-A947-70E740481C1C}">
-                <a14:useLocalDpi xmlns:a14="http://schemas.microsoft.com/office/drawing/2010/main" val="0"/>
-              </a:ext>
-            </a:extLst>
-          </a:blip>
-          <a:srcRect/>
-          <a:stretch>
-            <a:fillRect/>
-          </a:stretch>
-        </p:blipFill>
-        <p:spPr bwMode="auto">
-          <a:xfrm>
-            <a:off x="542259" y="188017"/>
-            <a:ext cx="3561908" cy="2907938"/>
-          </a:xfrm>
-          <a:prstGeom prst="rect">
-            <a:avLst/>
-          </a:prstGeom>
-          <a:noFill/>
-          <a:ln>
-            <a:noFill/>
-          </a:ln>
-          <a:extLst>
-            <a:ext uri="{909E8E84-426E-40DD-AFC4-6F175D3DCCD1}">
-              <a14:hiddenFill xmlns:a14="http://schemas.microsoft.com/office/drawing/2010/main">
-                <a:solidFill>
-                  <a:schemeClr val="accent1"/>
-                </a:solidFill>
-              </a14:hiddenFill>
-            </a:ext>
-            <a:ext uri="{91240B29-F687-4F45-9708-019B960494DF}">
-              <a14:hiddenLine xmlns:a14="http://schemas.microsoft.com/office/drawing/2010/main" w="9525">
-                <a:solidFill>
-                  <a:schemeClr val="tx1"/>
-                </a:solidFill>
-                <a:miter lim="800000"/>
-                <a:headEnd/>
-                <a:tailEnd/>
-              </a14:hiddenLine>
-            </a:ext>
-          </a:extLst>
-        </p:spPr>
-      </p:pic>
-      <p:pic>
-        <p:nvPicPr>
-          <p:cNvPr id="7" name="Picture 2"/>
-          <p:cNvPicPr>
-            <a:picLocks noChangeAspect="1" noChangeArrowheads="1"/>
-          </p:cNvPicPr>
-          <p:nvPr/>
-        </p:nvPicPr>
-        <p:blipFill>
-          <a:blip r:embed="rId4">
-            <a:extLst>
-              <a:ext uri="{28A0092B-C50C-407E-A947-70E740481C1C}">
-                <a14:useLocalDpi xmlns:a14="http://schemas.microsoft.com/office/drawing/2010/main" val="0"/>
-              </a:ext>
-            </a:extLst>
-          </a:blip>
-          <a:srcRect/>
-          <a:stretch>
-            <a:fillRect/>
-          </a:stretch>
-        </p:blipFill>
-        <p:spPr bwMode="auto">
-          <a:xfrm>
-            <a:off x="247992" y="3514039"/>
-            <a:ext cx="3848926" cy="2939924"/>
-          </a:xfrm>
-          <a:prstGeom prst="rect">
-            <a:avLst/>
-          </a:prstGeom>
-          <a:noFill/>
-          <a:ln>
-            <a:noFill/>
-          </a:ln>
-          <a:extLst>
-            <a:ext uri="{909E8E84-426E-40DD-AFC4-6F175D3DCCD1}">
-              <a14:hiddenFill xmlns:a14="http://schemas.microsoft.com/office/drawing/2010/main">
-                <a:solidFill>
-                  <a:schemeClr val="accent1"/>
-                </a:solidFill>
-              </a14:hiddenFill>
-            </a:ext>
-            <a:ext uri="{91240B29-F687-4F45-9708-019B960494DF}">
-              <a14:hiddenLine xmlns:a14="http://schemas.microsoft.com/office/drawing/2010/main" w="9525">
-                <a:solidFill>
-                  <a:schemeClr val="tx1"/>
-                </a:solidFill>
-                <a:miter lim="800000"/>
-                <a:headEnd/>
-                <a:tailEnd/>
-              </a14:hiddenLine>
-            </a:ext>
-          </a:extLst>
-        </p:spPr>
-      </p:pic>
-      <p:pic>
-        <p:nvPicPr>
-          <p:cNvPr id="8" name="Picture 3"/>
-          <p:cNvPicPr>
-            <a:picLocks noChangeAspect="1" noChangeArrowheads="1"/>
-          </p:cNvPicPr>
-          <p:nvPr/>
-        </p:nvPicPr>
-        <p:blipFill>
-          <a:blip r:embed="rId5">
-            <a:extLst>
-              <a:ext uri="{28A0092B-C50C-407E-A947-70E740481C1C}">
-                <a14:useLocalDpi xmlns:a14="http://schemas.microsoft.com/office/drawing/2010/main" val="0"/>
-              </a:ext>
-            </a:extLst>
-          </a:blip>
-          <a:srcRect/>
-          <a:stretch>
-            <a:fillRect/>
-          </a:stretch>
-        </p:blipFill>
-        <p:spPr bwMode="auto">
-          <a:xfrm>
-            <a:off x="4688955" y="92320"/>
-            <a:ext cx="4013604" cy="3165062"/>
-          </a:xfrm>
-          <a:prstGeom prst="rect">
-            <a:avLst/>
-          </a:prstGeom>
-          <a:noFill/>
-          <a:ln>
-            <a:noFill/>
-          </a:ln>
-          <a:extLst>
-            <a:ext uri="{909E8E84-426E-40DD-AFC4-6F175D3DCCD1}">
-              <a14:hiddenFill xmlns:a14="http://schemas.microsoft.com/office/drawing/2010/main">
-                <a:solidFill>
-                  <a:schemeClr val="accent1"/>
-                </a:solidFill>
-              </a14:hiddenFill>
-            </a:ext>
-            <a:ext uri="{91240B29-F687-4F45-9708-019B960494DF}">
-              <a14:hiddenLine xmlns:a14="http://schemas.microsoft.com/office/drawing/2010/main" w="9525">
-                <a:solidFill>
-                  <a:schemeClr val="tx1"/>
-                </a:solidFill>
-                <a:miter lim="800000"/>
-                <a:headEnd/>
-                <a:tailEnd/>
-              </a14:hiddenLine>
-            </a:ext>
-          </a:extLst>
-        </p:spPr>
-      </p:pic>
-      <p:pic>
-        <p:nvPicPr>
-          <p:cNvPr id="9" name="Picture 8"/>
-          <p:cNvPicPr>
-            <a:picLocks noChangeAspect="1"/>
-          </p:cNvPicPr>
-          <p:nvPr/>
-        </p:nvPicPr>
-        <p:blipFill>
-          <a:blip r:embed="rId6">
-            <a:extLst>
-              <a:ext uri="{28A0092B-C50C-407E-A947-70E740481C1C}">
-                <a14:useLocalDpi xmlns:a14="http://schemas.microsoft.com/office/drawing/2010/main" val="0"/>
-              </a:ext>
-            </a:extLst>
-          </a:blip>
-          <a:stretch>
-            <a:fillRect/>
-          </a:stretch>
-        </p:blipFill>
-        <p:spPr>
-          <a:xfrm>
-            <a:off x="5007925" y="3205843"/>
-            <a:ext cx="3657600" cy="3652157"/>
-          </a:xfrm>
-          <a:prstGeom prst="rect">
-            <a:avLst/>
-          </a:prstGeom>
-        </p:spPr>
-      </p:pic>
-      <p:sp>
-        <p:nvSpPr>
-          <p:cNvPr id="2" name="TextBox 1"/>
-          <p:cNvSpPr txBox="1"/>
-          <p:nvPr/>
-        </p:nvSpPr>
-        <p:spPr>
-          <a:xfrm>
-            <a:off x="3352800" y="3886200"/>
-            <a:ext cx="1442635" cy="369332"/>
-          </a:xfrm>
-          <a:prstGeom prst="rect">
-            <a:avLst/>
-          </a:prstGeom>
-          <a:noFill/>
-        </p:spPr>
-        <p:txBody>
-          <a:bodyPr wrap="none" rtlCol="0">
-            <a:spAutoFit/>
-          </a:bodyPr>
-          <a:lstStyle/>
-          <a:p>
-            <a:r>
-              <a:rPr lang="en-US" dirty="0" smtClean="0"/>
-              <a:t>Need fix here</a:t>
-            </a:r>
-            <a:endParaRPr lang="en-US" dirty="0"/>
-          </a:p>
-        </p:txBody>
-      </p:sp>
-    </p:spTree>
-    <p:extLst>
-      <p:ext uri="{BB962C8B-B14F-4D97-AF65-F5344CB8AC3E}">
-        <p14:creationId xmlns:p14="http://schemas.microsoft.com/office/powerpoint/2010/main" val="1566594564"/>
-      </p:ext>
-    </p:extLst>
-  </p:cSld>
-  <p:clrMapOvr>
-    <a:masterClrMapping/>
-  </p:clrMapOvr>
-  <p:timing>
-    <p:tnLst>
-      <p:par>
-        <p:cTn id="1" dur="indefinite" restart="never" nodeType="tmRoot"/>
-      </p:par>
-    </p:tnLst>
-  </p:timing>
-</p:sld>
-</file>
-
-<file path=ppt/slides/slide40.xml><?xml version="1.0" encoding="utf-8"?>
+<file path=ppt/slides/slide38.xml><?xml version="1.0" encoding="utf-8"?>
 <p:sld xmlns:a="http://schemas.openxmlformats.org/drawingml/2006/main" xmlns:r="http://schemas.openxmlformats.org/officeDocument/2006/relationships" xmlns:p="http://schemas.openxmlformats.org/presentationml/2006/main">
   <p:cSld>
     <p:spTree>
@@ -25689,7 +25136,7 @@
             </a:prstGeom>
             <a:noFill/>
             <a:extLst>
-              <a:ext uri="{909E8E84-426E-40DD-AFC4-6F175D3DCCD1}">
+              <a:ext uri="{909E8E84-426E-40dd-AFC4-6F175D3DCCD1}">
                 <a14:hiddenFill xmlns:a14="http://schemas.microsoft.com/office/drawing/2010/main">
                   <a:solidFill>
                     <a:srgbClr val="FFFFFF"/>
@@ -25872,7 +25319,7 @@
             </a:prstGeom>
             <a:noFill/>
             <a:extLst>
-              <a:ext uri="{909E8E84-426E-40DD-AFC4-6F175D3DCCD1}">
+              <a:ext uri="{909E8E84-426E-40dd-AFC4-6F175D3DCCD1}">
                 <a14:hiddenFill xmlns:a14="http://schemas.microsoft.com/office/drawing/2010/main">
                   <a:solidFill>
                     <a:srgbClr val="FFFFFF"/>
@@ -25913,7 +25360,7 @@
             </a:prstGeom>
             <a:noFill/>
             <a:extLst>
-              <a:ext uri="{909E8E84-426E-40DD-AFC4-6F175D3DCCD1}">
+              <a:ext uri="{909E8E84-426E-40dd-AFC4-6F175D3DCCD1}">
                 <a14:hiddenFill xmlns:a14="http://schemas.microsoft.com/office/drawing/2010/main">
                   <a:solidFill>
                     <a:srgbClr val="FFFFFF"/>
@@ -26001,14 +25448,14 @@
                 <a:noFill/>
               </a:ln>
               <a:extLst>
-                <a:ext uri="{909E8E84-426E-40DD-AFC4-6F175D3DCCD1}">
+                <a:ext uri="{909E8E84-426E-40dd-AFC4-6F175D3DCCD1}">
                   <a14:hiddenFill xmlns:a14="http://schemas.microsoft.com/office/drawing/2010/main">
                     <a:solidFill>
                       <a:schemeClr val="accent1"/>
                     </a:solidFill>
                   </a14:hiddenFill>
                 </a:ext>
-                <a:ext uri="{91240B29-F687-4F45-9708-019B960494DF}">
+                <a:ext uri="{91240B29-F687-4f45-9708-019B960494DF}">
                   <a14:hiddenLine xmlns:a14="http://schemas.microsoft.com/office/drawing/2010/main" w="9525">
                     <a:solidFill>
                       <a:schemeClr val="tx1"/>
@@ -26188,7 +25635,308 @@
 </p:sld>
 </file>
 
-<file path=ppt/slides/slide41.xml><?xml version="1.0" encoding="utf-8"?>
+<file path=ppt/slides/slide39.xml><?xml version="1.0" encoding="utf-8"?>
+<p:sld xmlns:a="http://schemas.openxmlformats.org/drawingml/2006/main" xmlns:r="http://schemas.openxmlformats.org/officeDocument/2006/relationships" xmlns:p="http://schemas.openxmlformats.org/presentationml/2006/main">
+  <p:cSld>
+    <p:spTree>
+      <p:nvGrpSpPr>
+        <p:cNvPr id="1" name=""/>
+        <p:cNvGrpSpPr/>
+        <p:nvPr/>
+      </p:nvGrpSpPr>
+      <p:grpSpPr>
+        <a:xfrm>
+          <a:off x="0" y="0"/>
+          <a:ext cx="0" cy="0"/>
+          <a:chOff x="0" y="0"/>
+          <a:chExt cx="0" cy="0"/>
+        </a:xfrm>
+      </p:grpSpPr>
+      <p:sp>
+        <p:nvSpPr>
+          <p:cNvPr id="4" name="Title 3"/>
+          <p:cNvSpPr>
+            <a:spLocks noGrp="1"/>
+          </p:cNvSpPr>
+          <p:nvPr>
+            <p:ph type="ctrTitle"/>
+          </p:nvPr>
+        </p:nvSpPr>
+        <p:spPr/>
+        <p:txBody>
+          <a:bodyPr/>
+          <a:lstStyle/>
+          <a:p>
+            <a:r>
+              <a:rPr lang="en-US" smtClean="0"/>
+              <a:t>Thank you!</a:t>
+            </a:r>
+            <a:endParaRPr lang="en-US"/>
+          </a:p>
+        </p:txBody>
+      </p:sp>
+      <p:sp>
+        <p:nvSpPr>
+          <p:cNvPr id="5" name="Subtitle 4"/>
+          <p:cNvSpPr>
+            <a:spLocks noGrp="1"/>
+          </p:cNvSpPr>
+          <p:nvPr>
+            <p:ph type="subTitle" idx="1"/>
+          </p:nvPr>
+        </p:nvSpPr>
+        <p:spPr/>
+        <p:txBody>
+          <a:bodyPr/>
+          <a:lstStyle/>
+          <a:p>
+            <a:endParaRPr lang="en-US"/>
+          </a:p>
+        </p:txBody>
+      </p:sp>
+    </p:spTree>
+    <p:extLst>
+      <p:ext uri="{BB962C8B-B14F-4D97-AF65-F5344CB8AC3E}">
+        <p14:creationId xmlns:p14="http://schemas.microsoft.com/office/powerpoint/2010/main" val="1794690279"/>
+      </p:ext>
+    </p:extLst>
+  </p:cSld>
+  <p:clrMapOvr>
+    <a:masterClrMapping/>
+  </p:clrMapOvr>
+</p:sld>
+</file>
+
+<file path=ppt/slides/slide4.xml><?xml version="1.0" encoding="utf-8"?>
+<p:sld xmlns:a="http://schemas.openxmlformats.org/drawingml/2006/main" xmlns:r="http://schemas.openxmlformats.org/officeDocument/2006/relationships" xmlns:p="http://schemas.openxmlformats.org/presentationml/2006/main">
+  <p:cSld>
+    <p:spTree>
+      <p:nvGrpSpPr>
+        <p:cNvPr id="1" name=""/>
+        <p:cNvGrpSpPr/>
+        <p:nvPr/>
+      </p:nvGrpSpPr>
+      <p:grpSpPr>
+        <a:xfrm>
+          <a:off x="0" y="0"/>
+          <a:ext cx="0" cy="0"/>
+          <a:chOff x="0" y="0"/>
+          <a:chExt cx="0" cy="0"/>
+        </a:xfrm>
+      </p:grpSpPr>
+      <p:pic>
+        <p:nvPicPr>
+          <p:cNvPr id="1026" name="Picture 2"/>
+          <p:cNvPicPr>
+            <a:picLocks noChangeAspect="1" noChangeArrowheads="1"/>
+          </p:cNvPicPr>
+          <p:nvPr/>
+        </p:nvPicPr>
+        <p:blipFill>
+          <a:blip r:embed="rId3">
+            <a:extLst>
+              <a:ext uri="{28A0092B-C50C-407E-A947-70E740481C1C}">
+                <a14:useLocalDpi xmlns:a14="http://schemas.microsoft.com/office/drawing/2010/main" val="0"/>
+              </a:ext>
+            </a:extLst>
+          </a:blip>
+          <a:srcRect/>
+          <a:stretch>
+            <a:fillRect/>
+          </a:stretch>
+        </p:blipFill>
+        <p:spPr bwMode="auto">
+          <a:xfrm>
+            <a:off x="542259" y="188017"/>
+            <a:ext cx="3561908" cy="2907938"/>
+          </a:xfrm>
+          <a:prstGeom prst="rect">
+            <a:avLst/>
+          </a:prstGeom>
+          <a:noFill/>
+          <a:ln>
+            <a:noFill/>
+          </a:ln>
+          <a:extLst>
+            <a:ext uri="{909E8E84-426E-40dd-AFC4-6F175D3DCCD1}">
+              <a14:hiddenFill xmlns:a14="http://schemas.microsoft.com/office/drawing/2010/main">
+                <a:solidFill>
+                  <a:schemeClr val="accent1"/>
+                </a:solidFill>
+              </a14:hiddenFill>
+            </a:ext>
+            <a:ext uri="{91240B29-F687-4f45-9708-019B960494DF}">
+              <a14:hiddenLine xmlns:a14="http://schemas.microsoft.com/office/drawing/2010/main" w="9525">
+                <a:solidFill>
+                  <a:schemeClr val="tx1"/>
+                </a:solidFill>
+                <a:miter lim="800000"/>
+                <a:headEnd/>
+                <a:tailEnd/>
+              </a14:hiddenLine>
+            </a:ext>
+          </a:extLst>
+        </p:spPr>
+      </p:pic>
+      <p:pic>
+        <p:nvPicPr>
+          <p:cNvPr id="7" name="Picture 2"/>
+          <p:cNvPicPr>
+            <a:picLocks noChangeAspect="1" noChangeArrowheads="1"/>
+          </p:cNvPicPr>
+          <p:nvPr/>
+        </p:nvPicPr>
+        <p:blipFill>
+          <a:blip r:embed="rId4">
+            <a:extLst>
+              <a:ext uri="{28A0092B-C50C-407E-A947-70E740481C1C}">
+                <a14:useLocalDpi xmlns:a14="http://schemas.microsoft.com/office/drawing/2010/main" val="0"/>
+              </a:ext>
+            </a:extLst>
+          </a:blip>
+          <a:srcRect/>
+          <a:stretch>
+            <a:fillRect/>
+          </a:stretch>
+        </p:blipFill>
+        <p:spPr bwMode="auto">
+          <a:xfrm>
+            <a:off x="247992" y="3514039"/>
+            <a:ext cx="3848926" cy="2939924"/>
+          </a:xfrm>
+          <a:prstGeom prst="rect">
+            <a:avLst/>
+          </a:prstGeom>
+          <a:noFill/>
+          <a:ln>
+            <a:noFill/>
+          </a:ln>
+          <a:extLst>
+            <a:ext uri="{909E8E84-426E-40dd-AFC4-6F175D3DCCD1}">
+              <a14:hiddenFill xmlns:a14="http://schemas.microsoft.com/office/drawing/2010/main">
+                <a:solidFill>
+                  <a:schemeClr val="accent1"/>
+                </a:solidFill>
+              </a14:hiddenFill>
+            </a:ext>
+            <a:ext uri="{91240B29-F687-4f45-9708-019B960494DF}">
+              <a14:hiddenLine xmlns:a14="http://schemas.microsoft.com/office/drawing/2010/main" w="9525">
+                <a:solidFill>
+                  <a:schemeClr val="tx1"/>
+                </a:solidFill>
+                <a:miter lim="800000"/>
+                <a:headEnd/>
+                <a:tailEnd/>
+              </a14:hiddenLine>
+            </a:ext>
+          </a:extLst>
+        </p:spPr>
+      </p:pic>
+      <p:pic>
+        <p:nvPicPr>
+          <p:cNvPr id="8" name="Picture 3"/>
+          <p:cNvPicPr>
+            <a:picLocks noChangeAspect="1" noChangeArrowheads="1"/>
+          </p:cNvPicPr>
+          <p:nvPr/>
+        </p:nvPicPr>
+        <p:blipFill>
+          <a:blip r:embed="rId5">
+            <a:extLst>
+              <a:ext uri="{28A0092B-C50C-407E-A947-70E740481C1C}">
+                <a14:useLocalDpi xmlns:a14="http://schemas.microsoft.com/office/drawing/2010/main" val="0"/>
+              </a:ext>
+            </a:extLst>
+          </a:blip>
+          <a:srcRect/>
+          <a:stretch>
+            <a:fillRect/>
+          </a:stretch>
+        </p:blipFill>
+        <p:spPr bwMode="auto">
+          <a:xfrm>
+            <a:off x="4688955" y="92320"/>
+            <a:ext cx="4013604" cy="3165062"/>
+          </a:xfrm>
+          <a:prstGeom prst="rect">
+            <a:avLst/>
+          </a:prstGeom>
+          <a:noFill/>
+          <a:ln>
+            <a:noFill/>
+          </a:ln>
+          <a:extLst>
+            <a:ext uri="{909E8E84-426E-40dd-AFC4-6F175D3DCCD1}">
+              <a14:hiddenFill xmlns:a14="http://schemas.microsoft.com/office/drawing/2010/main">
+                <a:solidFill>
+                  <a:schemeClr val="accent1"/>
+                </a:solidFill>
+              </a14:hiddenFill>
+            </a:ext>
+            <a:ext uri="{91240B29-F687-4f45-9708-019B960494DF}">
+              <a14:hiddenLine xmlns:a14="http://schemas.microsoft.com/office/drawing/2010/main" w="9525">
+                <a:solidFill>
+                  <a:schemeClr val="tx1"/>
+                </a:solidFill>
+                <a:miter lim="800000"/>
+                <a:headEnd/>
+                <a:tailEnd/>
+              </a14:hiddenLine>
+            </a:ext>
+          </a:extLst>
+        </p:spPr>
+      </p:pic>
+      <p:pic>
+        <p:nvPicPr>
+          <p:cNvPr id="9" name="Picture 8"/>
+          <p:cNvPicPr>
+            <a:picLocks noChangeAspect="1"/>
+          </p:cNvPicPr>
+          <p:nvPr/>
+        </p:nvPicPr>
+        <p:blipFill>
+          <a:blip r:embed="rId6">
+            <a:extLst>
+              <a:ext uri="{28A0092B-C50C-407E-A947-70E740481C1C}">
+                <a14:useLocalDpi xmlns:a14="http://schemas.microsoft.com/office/drawing/2010/main" val="0"/>
+              </a:ext>
+            </a:extLst>
+          </a:blip>
+          <a:stretch>
+            <a:fillRect/>
+          </a:stretch>
+        </p:blipFill>
+        <p:spPr>
+          <a:xfrm>
+            <a:off x="5007925" y="3205843"/>
+            <a:ext cx="3657600" cy="3652157"/>
+          </a:xfrm>
+          <a:prstGeom prst="rect">
+            <a:avLst/>
+          </a:prstGeom>
+        </p:spPr>
+      </p:pic>
+    </p:spTree>
+    <p:extLst>
+      <p:ext uri="{BB962C8B-B14F-4D97-AF65-F5344CB8AC3E}">
+        <p14:creationId xmlns:p14="http://schemas.microsoft.com/office/powerpoint/2010/main" val="1566594564"/>
+      </p:ext>
+    </p:extLst>
+  </p:cSld>
+  <p:clrMapOvr>
+    <a:masterClrMapping/>
+  </p:clrMapOvr>
+  <p:timing>
+    <p:tnLst>
+      <p:par>
+        <p:cTn xmlns:p14="http://schemas.microsoft.com/office/powerpoint/2010/main" id="1" dur="indefinite" restart="never" nodeType="tmRoot"/>
+      </p:par>
+    </p:tnLst>
+  </p:timing>
+</p:sld>
+</file>
+
+<file path=ppt/slides/slide40.xml><?xml version="1.0" encoding="utf-8"?>
 <p:sld xmlns:a="http://schemas.openxmlformats.org/drawingml/2006/main" xmlns:r="http://schemas.openxmlformats.org/officeDocument/2006/relationships" xmlns:p="http://schemas.openxmlformats.org/presentationml/2006/main">
   <p:cSld>
     <p:spTree>
@@ -26283,14 +26031,14 @@
               <a:noFill/>
             </a:ln>
             <a:extLst>
-              <a:ext uri="{909E8E84-426E-40DD-AFC4-6F175D3DCCD1}">
+              <a:ext uri="{909E8E84-426E-40dd-AFC4-6F175D3DCCD1}">
                 <a14:hiddenFill xmlns:a14="http://schemas.microsoft.com/office/drawing/2010/main">
                   <a:solidFill>
                     <a:schemeClr val="accent1"/>
                   </a:solidFill>
                 </a14:hiddenFill>
               </a:ext>
-              <a:ext uri="{91240B29-F687-4F45-9708-019B960494DF}">
+              <a:ext uri="{91240B29-F687-4f45-9708-019B960494DF}">
                 <a14:hiddenLine xmlns:a14="http://schemas.microsoft.com/office/drawing/2010/main" w="9525">
                   <a:solidFill>
                     <a:schemeClr val="tx1"/>
@@ -26317,10 +26065,265 @@
   <p:timing>
     <p:tnLst>
       <p:par>
-        <p:cTn id="1" dur="indefinite" restart="never" nodeType="tmRoot"/>
+        <p:cTn xmlns:p14="http://schemas.microsoft.com/office/powerpoint/2010/main" id="1" dur="indefinite" restart="never" nodeType="tmRoot"/>
       </p:par>
     </p:tnLst>
   </p:timing>
+</p:sld>
+</file>
+
+<file path=ppt/slides/slide41.xml><?xml version="1.0" encoding="utf-8"?>
+<p:sld xmlns:a="http://schemas.openxmlformats.org/drawingml/2006/main" xmlns:r="http://schemas.openxmlformats.org/officeDocument/2006/relationships" xmlns:p="http://schemas.openxmlformats.org/presentationml/2006/main">
+  <p:cSld>
+    <p:spTree>
+      <p:nvGrpSpPr>
+        <p:cNvPr id="1" name=""/>
+        <p:cNvGrpSpPr/>
+        <p:nvPr/>
+      </p:nvGrpSpPr>
+      <p:grpSpPr>
+        <a:xfrm>
+          <a:off x="0" y="0"/>
+          <a:ext cx="0" cy="0"/>
+          <a:chOff x="0" y="0"/>
+          <a:chExt cx="0" cy="0"/>
+        </a:xfrm>
+      </p:grpSpPr>
+      <p:sp>
+        <p:nvSpPr>
+          <p:cNvPr id="2" name="Title 1"/>
+          <p:cNvSpPr>
+            <a:spLocks noGrp="1"/>
+          </p:cNvSpPr>
+          <p:nvPr>
+            <p:ph type="title"/>
+          </p:nvPr>
+        </p:nvSpPr>
+        <p:spPr/>
+        <p:txBody>
+          <a:bodyPr/>
+          <a:lstStyle/>
+          <a:p>
+            <a:r>
+              <a:rPr lang="en-US" dirty="0"/>
+              <a:t>Future plan – tier </a:t>
+            </a:r>
+            <a:r>
+              <a:rPr lang="en-US" dirty="0" smtClean="0"/>
+              <a:t>3</a:t>
+            </a:r>
+            <a:endParaRPr lang="en-US" dirty="0"/>
+          </a:p>
+        </p:txBody>
+      </p:sp>
+      <p:sp>
+        <p:nvSpPr>
+          <p:cNvPr id="3" name="Content Placeholder 2"/>
+          <p:cNvSpPr>
+            <a:spLocks noGrp="1"/>
+          </p:cNvSpPr>
+          <p:nvPr>
+            <p:ph idx="1"/>
+          </p:nvPr>
+        </p:nvSpPr>
+        <p:spPr/>
+        <p:txBody>
+          <a:bodyPr>
+            <a:normAutofit lnSpcReduction="10000"/>
+          </a:bodyPr>
+          <a:lstStyle/>
+          <a:p>
+            <a:r>
+              <a:rPr lang="en-US" dirty="0" smtClean="0"/>
+              <a:t>Leveraging </a:t>
+            </a:r>
+            <a:r>
+              <a:rPr lang="en-US" dirty="0"/>
+              <a:t>molecular biology and NGS platform</a:t>
+            </a:r>
+          </a:p>
+          <a:p>
+            <a:r>
+              <a:rPr lang="en-US" dirty="0"/>
+              <a:t>Empowering the patient</a:t>
+            </a:r>
+          </a:p>
+          <a:p>
+            <a:r>
+              <a:rPr lang="en-US" dirty="0"/>
+              <a:t>Moving toward the standardization</a:t>
+            </a:r>
+          </a:p>
+          <a:p>
+            <a:r>
+              <a:rPr lang="en-US" dirty="0"/>
+              <a:t>Clinical implementation</a:t>
+            </a:r>
+          </a:p>
+          <a:p>
+            <a:pPr lvl="1"/>
+            <a:r>
+              <a:rPr lang="en-US" dirty="0"/>
+              <a:t>Recommendation of further lab analysis</a:t>
+            </a:r>
+          </a:p>
+          <a:p>
+            <a:pPr lvl="1"/>
+            <a:r>
+              <a:rPr lang="en-US" dirty="0"/>
+              <a:t>Recommendation of clinical follow-up </a:t>
+            </a:r>
+          </a:p>
+          <a:p>
+            <a:pPr lvl="1"/>
+            <a:r>
+              <a:rPr lang="en-US" dirty="0"/>
+              <a:t>Recommendation of therapeutically planning</a:t>
+            </a:r>
+          </a:p>
+          <a:p>
+            <a:r>
+              <a:rPr lang="en-US" dirty="0" smtClean="0"/>
+              <a:t>Extending </a:t>
+            </a:r>
+            <a:r>
+              <a:rPr lang="en-US" dirty="0"/>
+              <a:t>from static to mobile  </a:t>
+            </a:r>
+          </a:p>
+          <a:p>
+            <a:endParaRPr lang="en-US" dirty="0" smtClean="0"/>
+          </a:p>
+          <a:p>
+            <a:endParaRPr lang="en-US" dirty="0"/>
+          </a:p>
+        </p:txBody>
+      </p:sp>
+    </p:spTree>
+    <p:extLst>
+      <p:ext uri="{BB962C8B-B14F-4D97-AF65-F5344CB8AC3E}">
+        <p14:creationId xmlns:p14="http://schemas.microsoft.com/office/powerpoint/2010/main" val="4184935050"/>
+      </p:ext>
+    </p:extLst>
+  </p:cSld>
+  <p:clrMapOvr>
+    <a:masterClrMapping/>
+  </p:clrMapOvr>
+</p:sld>
+</file>
+
+<file path=ppt/slides/slide42.xml><?xml version="1.0" encoding="utf-8"?>
+<p:sld xmlns:a="http://schemas.openxmlformats.org/drawingml/2006/main" xmlns:r="http://schemas.openxmlformats.org/officeDocument/2006/relationships" xmlns:p="http://schemas.openxmlformats.org/presentationml/2006/main">
+  <p:cSld>
+    <p:spTree>
+      <p:nvGrpSpPr>
+        <p:cNvPr id="1" name=""/>
+        <p:cNvGrpSpPr/>
+        <p:nvPr/>
+      </p:nvGrpSpPr>
+      <p:grpSpPr>
+        <a:xfrm>
+          <a:off x="0" y="0"/>
+          <a:ext cx="0" cy="0"/>
+          <a:chOff x="0" y="0"/>
+          <a:chExt cx="0" cy="0"/>
+        </a:xfrm>
+      </p:grpSpPr>
+      <p:sp>
+        <p:nvSpPr>
+          <p:cNvPr id="2" name="Title 1"/>
+          <p:cNvSpPr>
+            <a:spLocks noGrp="1"/>
+          </p:cNvSpPr>
+          <p:nvPr>
+            <p:ph type="title"/>
+          </p:nvPr>
+        </p:nvSpPr>
+        <p:spPr/>
+        <p:txBody>
+          <a:bodyPr/>
+          <a:lstStyle/>
+          <a:p>
+            <a:r>
+              <a:rPr lang="en-US" dirty="0" smtClean="0"/>
+              <a:t>Future plan – tier 4</a:t>
+            </a:r>
+            <a:endParaRPr lang="en-US" dirty="0"/>
+          </a:p>
+        </p:txBody>
+      </p:sp>
+      <p:sp>
+        <p:nvSpPr>
+          <p:cNvPr id="3" name="Content Placeholder 2"/>
+          <p:cNvSpPr>
+            <a:spLocks noGrp="1"/>
+          </p:cNvSpPr>
+          <p:nvPr>
+            <p:ph idx="1"/>
+          </p:nvPr>
+        </p:nvSpPr>
+        <p:spPr/>
+        <p:txBody>
+          <a:bodyPr>
+            <a:normAutofit/>
+          </a:bodyPr>
+          <a:lstStyle/>
+          <a:p>
+            <a:r>
+              <a:rPr lang="en-US" dirty="0" smtClean="0"/>
+              <a:t>Promote a GMP equivalent analytical protocol</a:t>
+            </a:r>
+          </a:p>
+          <a:p>
+            <a:r>
+              <a:rPr lang="en-US" dirty="0" smtClean="0"/>
+              <a:t>Samples collection</a:t>
+            </a:r>
+          </a:p>
+          <a:p>
+            <a:r>
+              <a:rPr lang="en-US" dirty="0" smtClean="0"/>
+              <a:t>Sample analysis </a:t>
+            </a:r>
+          </a:p>
+          <a:p>
+            <a:r>
+              <a:rPr lang="en-US" dirty="0" smtClean="0"/>
+              <a:t>Data acquisition</a:t>
+            </a:r>
+          </a:p>
+          <a:p>
+            <a:r>
+              <a:rPr lang="en-US" dirty="0" smtClean="0"/>
+              <a:t>Data </a:t>
+            </a:r>
+            <a:r>
+              <a:rPr lang="en-US" dirty="0"/>
+              <a:t>analysis</a:t>
+            </a:r>
+            <a:endParaRPr lang="en-US" dirty="0" smtClean="0"/>
+          </a:p>
+          <a:p>
+            <a:r>
+              <a:rPr lang="en-US" dirty="0" smtClean="0"/>
+              <a:t>Clinical reporting system</a:t>
+            </a:r>
+          </a:p>
+          <a:p>
+            <a:endParaRPr lang="en-US" dirty="0"/>
+          </a:p>
+        </p:txBody>
+      </p:sp>
+    </p:spTree>
+    <p:extLst>
+      <p:ext uri="{BB962C8B-B14F-4D97-AF65-F5344CB8AC3E}">
+        <p14:creationId xmlns:p14="http://schemas.microsoft.com/office/powerpoint/2010/main" val="4184935050"/>
+      </p:ext>
+    </p:extLst>
+  </p:cSld>
+  <p:clrMapOvr>
+    <a:masterClrMapping/>
+  </p:clrMapOvr>
 </p:sld>
 </file>
 
@@ -26436,7 +26439,7 @@
   <p:timing>
     <p:tnLst>
       <p:par>
-        <p:cTn id="1" dur="indefinite" restart="never" nodeType="tmRoot"/>
+        <p:cTn xmlns:p14="http://schemas.microsoft.com/office/powerpoint/2010/main" id="1" dur="indefinite" restart="never" nodeType="tmRoot"/>
       </p:par>
     </p:tnLst>
   </p:timing>
@@ -26503,7 +26506,7 @@
   <p:timing>
     <p:tnLst>
       <p:par>
-        <p:cTn id="1" dur="indefinite" restart="never" nodeType="tmRoot"/>
+        <p:cTn xmlns:p14="http://schemas.microsoft.com/office/powerpoint/2010/main" id="1" dur="indefinite" restart="never" nodeType="tmRoot"/>
       </p:par>
     </p:tnLst>
   </p:timing>
@@ -26570,7 +26573,7 @@
   <p:timing>
     <p:tnLst>
       <p:par>
-        <p:cTn id="1" dur="indefinite" restart="never" nodeType="tmRoot"/>
+        <p:cTn xmlns:p14="http://schemas.microsoft.com/office/powerpoint/2010/main" id="1" dur="indefinite" restart="never" nodeType="tmRoot"/>
       </p:par>
     </p:tnLst>
   </p:timing>
@@ -26711,7 +26714,7 @@
   <p:timing>
     <p:tnLst>
       <p:par>
-        <p:cTn id="1" dur="indefinite" restart="never" nodeType="tmRoot">
+        <p:cTn xmlns:p14="http://schemas.microsoft.com/office/powerpoint/2010/main" id="1" dur="indefinite" restart="never" nodeType="tmRoot">
           <p:childTnLst>
             <p:seq concurrent="1" nextAc="seek">
               <p:cTn id="2" dur="indefinite" nodeType="mainSeq">
